--- a/hw02.pptx
+++ b/hw02.pptx
@@ -4,8 +4,21 @@
   <p:sldMasterIdLst>
     <p:sldMasterId id="2147483648" r:id="rId1"/>
   </p:sldMasterIdLst>
+  <p:notesMasterIdLst>
+    <p:notesMasterId r:id="rId13"/>
+  </p:notesMasterIdLst>
   <p:sldIdLst>
     <p:sldId id="256" r:id="rId2"/>
+    <p:sldId id="257" r:id="rId3"/>
+    <p:sldId id="259" r:id="rId4"/>
+    <p:sldId id="260" r:id="rId5"/>
+    <p:sldId id="261" r:id="rId6"/>
+    <p:sldId id="262" r:id="rId7"/>
+    <p:sldId id="263" r:id="rId8"/>
+    <p:sldId id="264" r:id="rId9"/>
+    <p:sldId id="265" r:id="rId10"/>
+    <p:sldId id="266" r:id="rId11"/>
+    <p:sldId id="267" r:id="rId12"/>
   </p:sldIdLst>
   <p:sldSz cx="12192000" cy="6858000"/>
   <p:notesSz cx="6858000" cy="9144000"/>
@@ -104,7 +117,2110 @@
       </a:defRPr>
     </a:lvl9pPr>
   </p:defaultTextStyle>
+  <p:extLst>
+    <p:ext uri="{EFAFB233-063F-42B5-8137-9DF3F51BA10A}">
+      <p15:sldGuideLst xmlns:p15="http://schemas.microsoft.com/office/powerpoint/2012/main"/>
+    </p:ext>
+  </p:extLst>
 </p:presentation>
+</file>
+
+<file path=ppt/notesMasters/notesMaster1.xml><?xml version="1.0" encoding="utf-8"?>
+<p:notesMaster xmlns:a="http://schemas.openxmlformats.org/drawingml/2006/main" xmlns:r="http://schemas.openxmlformats.org/officeDocument/2006/relationships" xmlns:p="http://schemas.openxmlformats.org/presentationml/2006/main">
+  <p:cSld>
+    <p:bg>
+      <p:bgRef idx="1001">
+        <a:schemeClr val="bg1"/>
+      </p:bgRef>
+    </p:bg>
+    <p:spTree>
+      <p:nvGrpSpPr>
+        <p:cNvPr id="1" name=""/>
+        <p:cNvGrpSpPr/>
+        <p:nvPr/>
+      </p:nvGrpSpPr>
+      <p:grpSpPr>
+        <a:xfrm>
+          <a:off x="0" y="0"/>
+          <a:ext cx="0" cy="0"/>
+          <a:chOff x="0" y="0"/>
+          <a:chExt cx="0" cy="0"/>
+        </a:xfrm>
+      </p:grpSpPr>
+      <p:sp>
+        <p:nvSpPr>
+          <p:cNvPr id="2" name="頁首版面配置區 1"/>
+          <p:cNvSpPr>
+            <a:spLocks noGrp="1"/>
+          </p:cNvSpPr>
+          <p:nvPr>
+            <p:ph type="hdr" sz="quarter"/>
+          </p:nvPr>
+        </p:nvSpPr>
+        <p:spPr>
+          <a:xfrm>
+            <a:off x="0" y="0"/>
+            <a:ext cx="2971800" cy="458788"/>
+          </a:xfrm>
+          <a:prstGeom prst="rect">
+            <a:avLst/>
+          </a:prstGeom>
+        </p:spPr>
+        <p:txBody>
+          <a:bodyPr vert="horz" lIns="91440" tIns="45720" rIns="91440" bIns="45720" rtlCol="0"/>
+          <a:lstStyle>
+            <a:lvl1pPr algn="l">
+              <a:defRPr sz="1200"/>
+            </a:lvl1pPr>
+          </a:lstStyle>
+          <a:p>
+            <a:endParaRPr lang="zh-TW" altLang="en-US"/>
+          </a:p>
+        </p:txBody>
+      </p:sp>
+      <p:sp>
+        <p:nvSpPr>
+          <p:cNvPr id="3" name="日期版面配置區 2"/>
+          <p:cNvSpPr>
+            <a:spLocks noGrp="1"/>
+          </p:cNvSpPr>
+          <p:nvPr>
+            <p:ph type="dt" idx="1"/>
+          </p:nvPr>
+        </p:nvSpPr>
+        <p:spPr>
+          <a:xfrm>
+            <a:off x="3884613" y="0"/>
+            <a:ext cx="2971800" cy="458788"/>
+          </a:xfrm>
+          <a:prstGeom prst="rect">
+            <a:avLst/>
+          </a:prstGeom>
+        </p:spPr>
+        <p:txBody>
+          <a:bodyPr vert="horz" lIns="91440" tIns="45720" rIns="91440" bIns="45720" rtlCol="0"/>
+          <a:lstStyle>
+            <a:lvl1pPr algn="r">
+              <a:defRPr sz="1200"/>
+            </a:lvl1pPr>
+          </a:lstStyle>
+          <a:p>
+            <a:fld id="{9BF386B8-60B3-4DD2-8710-EC8979A773D3}" type="datetimeFigureOut">
+              <a:rPr lang="zh-TW" altLang="en-US" smtClean="0"/>
+              <a:t>2024/10/27</a:t>
+            </a:fld>
+            <a:endParaRPr lang="zh-TW" altLang="en-US"/>
+          </a:p>
+        </p:txBody>
+      </p:sp>
+      <p:sp>
+        <p:nvSpPr>
+          <p:cNvPr id="4" name="投影片影像版面配置區 3"/>
+          <p:cNvSpPr>
+            <a:spLocks noGrp="1" noRot="1" noChangeAspect="1"/>
+          </p:cNvSpPr>
+          <p:nvPr>
+            <p:ph type="sldImg" idx="2"/>
+          </p:nvPr>
+        </p:nvSpPr>
+        <p:spPr>
+          <a:xfrm>
+            <a:off x="685800" y="1143000"/>
+            <a:ext cx="5486400" cy="3086100"/>
+          </a:xfrm>
+          <a:prstGeom prst="rect">
+            <a:avLst/>
+          </a:prstGeom>
+          <a:noFill/>
+          <a:ln w="12700">
+            <a:solidFill>
+              <a:prstClr val="black"/>
+            </a:solidFill>
+          </a:ln>
+        </p:spPr>
+        <p:txBody>
+          <a:bodyPr vert="horz" lIns="91440" tIns="45720" rIns="91440" bIns="45720" rtlCol="0" anchor="ctr"/>
+          <a:lstStyle/>
+          <a:p>
+            <a:endParaRPr lang="zh-TW" altLang="en-US"/>
+          </a:p>
+        </p:txBody>
+      </p:sp>
+      <p:sp>
+        <p:nvSpPr>
+          <p:cNvPr id="5" name="備忘稿版面配置區 4"/>
+          <p:cNvSpPr>
+            <a:spLocks noGrp="1"/>
+          </p:cNvSpPr>
+          <p:nvPr>
+            <p:ph type="body" sz="quarter" idx="3"/>
+          </p:nvPr>
+        </p:nvSpPr>
+        <p:spPr>
+          <a:xfrm>
+            <a:off x="685800" y="4400550"/>
+            <a:ext cx="5486400" cy="3600450"/>
+          </a:xfrm>
+          <a:prstGeom prst="rect">
+            <a:avLst/>
+          </a:prstGeom>
+        </p:spPr>
+        <p:txBody>
+          <a:bodyPr vert="horz" lIns="91440" tIns="45720" rIns="91440" bIns="45720" rtlCol="0"/>
+          <a:lstStyle/>
+          <a:p>
+            <a:pPr lvl="0"/>
+            <a:r>
+              <a:rPr lang="zh-TW" altLang="en-US"/>
+              <a:t>按一下以編輯母片文字樣式</a:t>
+            </a:r>
+          </a:p>
+          <a:p>
+            <a:pPr lvl="1"/>
+            <a:r>
+              <a:rPr lang="zh-TW" altLang="en-US"/>
+              <a:t>第二層</a:t>
+            </a:r>
+          </a:p>
+          <a:p>
+            <a:pPr lvl="2"/>
+            <a:r>
+              <a:rPr lang="zh-TW" altLang="en-US"/>
+              <a:t>第三層</a:t>
+            </a:r>
+          </a:p>
+          <a:p>
+            <a:pPr lvl="3"/>
+            <a:r>
+              <a:rPr lang="zh-TW" altLang="en-US"/>
+              <a:t>第四層</a:t>
+            </a:r>
+          </a:p>
+          <a:p>
+            <a:pPr lvl="4"/>
+            <a:r>
+              <a:rPr lang="zh-TW" altLang="en-US"/>
+              <a:t>第五層</a:t>
+            </a:r>
+          </a:p>
+        </p:txBody>
+      </p:sp>
+      <p:sp>
+        <p:nvSpPr>
+          <p:cNvPr id="6" name="頁尾版面配置區 5"/>
+          <p:cNvSpPr>
+            <a:spLocks noGrp="1"/>
+          </p:cNvSpPr>
+          <p:nvPr>
+            <p:ph type="ftr" sz="quarter" idx="4"/>
+          </p:nvPr>
+        </p:nvSpPr>
+        <p:spPr>
+          <a:xfrm>
+            <a:off x="0" y="8685213"/>
+            <a:ext cx="2971800" cy="458787"/>
+          </a:xfrm>
+          <a:prstGeom prst="rect">
+            <a:avLst/>
+          </a:prstGeom>
+        </p:spPr>
+        <p:txBody>
+          <a:bodyPr vert="horz" lIns="91440" tIns="45720" rIns="91440" bIns="45720" rtlCol="0" anchor="b"/>
+          <a:lstStyle>
+            <a:lvl1pPr algn="l">
+              <a:defRPr sz="1200"/>
+            </a:lvl1pPr>
+          </a:lstStyle>
+          <a:p>
+            <a:endParaRPr lang="zh-TW" altLang="en-US"/>
+          </a:p>
+        </p:txBody>
+      </p:sp>
+      <p:sp>
+        <p:nvSpPr>
+          <p:cNvPr id="7" name="投影片編號版面配置區 6"/>
+          <p:cNvSpPr>
+            <a:spLocks noGrp="1"/>
+          </p:cNvSpPr>
+          <p:nvPr>
+            <p:ph type="sldNum" sz="quarter" idx="5"/>
+          </p:nvPr>
+        </p:nvSpPr>
+        <p:spPr>
+          <a:xfrm>
+            <a:off x="3884613" y="8685213"/>
+            <a:ext cx="2971800" cy="458787"/>
+          </a:xfrm>
+          <a:prstGeom prst="rect">
+            <a:avLst/>
+          </a:prstGeom>
+        </p:spPr>
+        <p:txBody>
+          <a:bodyPr vert="horz" lIns="91440" tIns="45720" rIns="91440" bIns="45720" rtlCol="0" anchor="b"/>
+          <a:lstStyle>
+            <a:lvl1pPr algn="r">
+              <a:defRPr sz="1200"/>
+            </a:lvl1pPr>
+          </a:lstStyle>
+          <a:p>
+            <a:fld id="{00AC0041-FC2A-47A4-B2B7-4C155C5B0906}" type="slidenum">
+              <a:rPr lang="zh-TW" altLang="en-US" smtClean="0"/>
+              <a:t>‹#›</a:t>
+            </a:fld>
+            <a:endParaRPr lang="zh-TW" altLang="en-US"/>
+          </a:p>
+        </p:txBody>
+      </p:sp>
+    </p:spTree>
+    <p:extLst>
+      <p:ext uri="{BB962C8B-B14F-4D97-AF65-F5344CB8AC3E}">
+        <p14:creationId xmlns:p14="http://schemas.microsoft.com/office/powerpoint/2010/main" val="3770683183"/>
+      </p:ext>
+    </p:extLst>
+  </p:cSld>
+  <p:clrMap bg1="lt1" tx1="dk1" bg2="lt2" tx2="dk2" accent1="accent1" accent2="accent2" accent3="accent3" accent4="accent4" accent5="accent5" accent6="accent6" hlink="hlink" folHlink="folHlink"/>
+  <p:notesStyle>
+    <a:lvl1pPr marL="0" algn="l" defTabSz="914400" rtl="0" eaLnBrk="1" latinLnBrk="0" hangingPunct="1">
+      <a:defRPr sz="1200" kern="1200">
+        <a:solidFill>
+          <a:schemeClr val="tx1"/>
+        </a:solidFill>
+        <a:latin typeface="+mn-lt"/>
+        <a:ea typeface="+mn-ea"/>
+        <a:cs typeface="+mn-cs"/>
+      </a:defRPr>
+    </a:lvl1pPr>
+    <a:lvl2pPr marL="457200" algn="l" defTabSz="914400" rtl="0" eaLnBrk="1" latinLnBrk="0" hangingPunct="1">
+      <a:defRPr sz="1200" kern="1200">
+        <a:solidFill>
+          <a:schemeClr val="tx1"/>
+        </a:solidFill>
+        <a:latin typeface="+mn-lt"/>
+        <a:ea typeface="+mn-ea"/>
+        <a:cs typeface="+mn-cs"/>
+      </a:defRPr>
+    </a:lvl2pPr>
+    <a:lvl3pPr marL="914400" algn="l" defTabSz="914400" rtl="0" eaLnBrk="1" latinLnBrk="0" hangingPunct="1">
+      <a:defRPr sz="1200" kern="1200">
+        <a:solidFill>
+          <a:schemeClr val="tx1"/>
+        </a:solidFill>
+        <a:latin typeface="+mn-lt"/>
+        <a:ea typeface="+mn-ea"/>
+        <a:cs typeface="+mn-cs"/>
+      </a:defRPr>
+    </a:lvl3pPr>
+    <a:lvl4pPr marL="1371600" algn="l" defTabSz="914400" rtl="0" eaLnBrk="1" latinLnBrk="0" hangingPunct="1">
+      <a:defRPr sz="1200" kern="1200">
+        <a:solidFill>
+          <a:schemeClr val="tx1"/>
+        </a:solidFill>
+        <a:latin typeface="+mn-lt"/>
+        <a:ea typeface="+mn-ea"/>
+        <a:cs typeface="+mn-cs"/>
+      </a:defRPr>
+    </a:lvl4pPr>
+    <a:lvl5pPr marL="1828800" algn="l" defTabSz="914400" rtl="0" eaLnBrk="1" latinLnBrk="0" hangingPunct="1">
+      <a:defRPr sz="1200" kern="1200">
+        <a:solidFill>
+          <a:schemeClr val="tx1"/>
+        </a:solidFill>
+        <a:latin typeface="+mn-lt"/>
+        <a:ea typeface="+mn-ea"/>
+        <a:cs typeface="+mn-cs"/>
+      </a:defRPr>
+    </a:lvl5pPr>
+    <a:lvl6pPr marL="2286000" algn="l" defTabSz="914400" rtl="0" eaLnBrk="1" latinLnBrk="0" hangingPunct="1">
+      <a:defRPr sz="1200" kern="1200">
+        <a:solidFill>
+          <a:schemeClr val="tx1"/>
+        </a:solidFill>
+        <a:latin typeface="+mn-lt"/>
+        <a:ea typeface="+mn-ea"/>
+        <a:cs typeface="+mn-cs"/>
+      </a:defRPr>
+    </a:lvl6pPr>
+    <a:lvl7pPr marL="2743200" algn="l" defTabSz="914400" rtl="0" eaLnBrk="1" latinLnBrk="0" hangingPunct="1">
+      <a:defRPr sz="1200" kern="1200">
+        <a:solidFill>
+          <a:schemeClr val="tx1"/>
+        </a:solidFill>
+        <a:latin typeface="+mn-lt"/>
+        <a:ea typeface="+mn-ea"/>
+        <a:cs typeface="+mn-cs"/>
+      </a:defRPr>
+    </a:lvl7pPr>
+    <a:lvl8pPr marL="3200400" algn="l" defTabSz="914400" rtl="0" eaLnBrk="1" latinLnBrk="0" hangingPunct="1">
+      <a:defRPr sz="1200" kern="1200">
+        <a:solidFill>
+          <a:schemeClr val="tx1"/>
+        </a:solidFill>
+        <a:latin typeface="+mn-lt"/>
+        <a:ea typeface="+mn-ea"/>
+        <a:cs typeface="+mn-cs"/>
+      </a:defRPr>
+    </a:lvl8pPr>
+    <a:lvl9pPr marL="3657600" algn="l" defTabSz="914400" rtl="0" eaLnBrk="1" latinLnBrk="0" hangingPunct="1">
+      <a:defRPr sz="1200" kern="1200">
+        <a:solidFill>
+          <a:schemeClr val="tx1"/>
+        </a:solidFill>
+        <a:latin typeface="+mn-lt"/>
+        <a:ea typeface="+mn-ea"/>
+        <a:cs typeface="+mn-cs"/>
+      </a:defRPr>
+    </a:lvl9pPr>
+  </p:notesStyle>
+</p:notesMaster>
+</file>
+
+<file path=ppt/notesSlides/notesSlide1.xml><?xml version="1.0" encoding="utf-8"?>
+<p:notes xmlns:a="http://schemas.openxmlformats.org/drawingml/2006/main" xmlns:r="http://schemas.openxmlformats.org/officeDocument/2006/relationships" xmlns:p="http://schemas.openxmlformats.org/presentationml/2006/main">
+  <p:cSld>
+    <p:spTree>
+      <p:nvGrpSpPr>
+        <p:cNvPr id="1" name=""/>
+        <p:cNvGrpSpPr/>
+        <p:nvPr/>
+      </p:nvGrpSpPr>
+      <p:grpSpPr>
+        <a:xfrm>
+          <a:off x="0" y="0"/>
+          <a:ext cx="0" cy="0"/>
+          <a:chOff x="0" y="0"/>
+          <a:chExt cx="0" cy="0"/>
+        </a:xfrm>
+      </p:grpSpPr>
+      <p:sp>
+        <p:nvSpPr>
+          <p:cNvPr id="2" name="投影片影像版面配置區 1"/>
+          <p:cNvSpPr>
+            <a:spLocks noGrp="1" noRot="1" noChangeAspect="1"/>
+          </p:cNvSpPr>
+          <p:nvPr>
+            <p:ph type="sldImg"/>
+          </p:nvPr>
+        </p:nvSpPr>
+        <p:spPr/>
+      </p:sp>
+      <p:sp>
+        <p:nvSpPr>
+          <p:cNvPr id="3" name="備忘稿版面配置區 2"/>
+          <p:cNvSpPr>
+            <a:spLocks noGrp="1"/>
+          </p:cNvSpPr>
+          <p:nvPr>
+            <p:ph type="body" idx="1"/>
+          </p:nvPr>
+        </p:nvSpPr>
+        <p:spPr/>
+        <p:txBody>
+          <a:bodyPr/>
+          <a:lstStyle/>
+          <a:p>
+            <a:endParaRPr lang="zh-TW" altLang="en-US" dirty="0"/>
+          </a:p>
+        </p:txBody>
+      </p:sp>
+      <p:sp>
+        <p:nvSpPr>
+          <p:cNvPr id="4" name="投影片編號版面配置區 3"/>
+          <p:cNvSpPr>
+            <a:spLocks noGrp="1"/>
+          </p:cNvSpPr>
+          <p:nvPr>
+            <p:ph type="sldNum" sz="quarter" idx="5"/>
+          </p:nvPr>
+        </p:nvSpPr>
+        <p:spPr/>
+        <p:txBody>
+          <a:bodyPr/>
+          <a:lstStyle/>
+          <a:p>
+            <a:fld id="{00AC0041-FC2A-47A4-B2B7-4C155C5B0906}" type="slidenum">
+              <a:rPr lang="zh-TW" altLang="en-US" smtClean="0"/>
+              <a:t>1</a:t>
+            </a:fld>
+            <a:endParaRPr lang="zh-TW" altLang="en-US"/>
+          </a:p>
+        </p:txBody>
+      </p:sp>
+    </p:spTree>
+    <p:extLst>
+      <p:ext uri="{BB962C8B-B14F-4D97-AF65-F5344CB8AC3E}">
+        <p14:creationId xmlns:p14="http://schemas.microsoft.com/office/powerpoint/2010/main" val="1312641985"/>
+      </p:ext>
+    </p:extLst>
+  </p:cSld>
+  <p:clrMapOvr>
+    <a:masterClrMapping/>
+  </p:clrMapOvr>
+</p:notes>
+</file>
+
+<file path=ppt/notesSlides/notesSlide10.xml><?xml version="1.0" encoding="utf-8"?>
+<p:notes xmlns:a="http://schemas.openxmlformats.org/drawingml/2006/main" xmlns:r="http://schemas.openxmlformats.org/officeDocument/2006/relationships" xmlns:p="http://schemas.openxmlformats.org/presentationml/2006/main">
+  <p:cSld>
+    <p:spTree>
+      <p:nvGrpSpPr>
+        <p:cNvPr id="1" name="">
+          <a:extLst>
+            <a:ext uri="{FF2B5EF4-FFF2-40B4-BE49-F238E27FC236}">
+              <a16:creationId xmlns:a16="http://schemas.microsoft.com/office/drawing/2014/main" id="{CC2C3430-E799-4098-3552-BBBDE1520CC6}"/>
+            </a:ext>
+          </a:extLst>
+        </p:cNvPr>
+        <p:cNvGrpSpPr/>
+        <p:nvPr/>
+      </p:nvGrpSpPr>
+      <p:grpSpPr>
+        <a:xfrm>
+          <a:off x="0" y="0"/>
+          <a:ext cx="0" cy="0"/>
+          <a:chOff x="0" y="0"/>
+          <a:chExt cx="0" cy="0"/>
+        </a:xfrm>
+      </p:grpSpPr>
+      <p:sp>
+        <p:nvSpPr>
+          <p:cNvPr id="2" name="投影片影像版面配置區 1">
+            <a:extLst>
+              <a:ext uri="{FF2B5EF4-FFF2-40B4-BE49-F238E27FC236}">
+                <a16:creationId xmlns:a16="http://schemas.microsoft.com/office/drawing/2014/main" id="{D2B63A74-5A45-FE21-49E2-FC0727F2BC9D}"/>
+              </a:ext>
+            </a:extLst>
+          </p:cNvPr>
+          <p:cNvSpPr>
+            <a:spLocks noGrp="1" noRot="1" noChangeAspect="1"/>
+          </p:cNvSpPr>
+          <p:nvPr>
+            <p:ph type="sldImg"/>
+          </p:nvPr>
+        </p:nvSpPr>
+        <p:spPr/>
+      </p:sp>
+      <p:sp>
+        <p:nvSpPr>
+          <p:cNvPr id="3" name="備忘稿版面配置區 2">
+            <a:extLst>
+              <a:ext uri="{FF2B5EF4-FFF2-40B4-BE49-F238E27FC236}">
+                <a16:creationId xmlns:a16="http://schemas.microsoft.com/office/drawing/2014/main" id="{E043FCE5-DB63-E551-50EB-F21BDFCB0C2F}"/>
+              </a:ext>
+            </a:extLst>
+          </p:cNvPr>
+          <p:cNvSpPr>
+            <a:spLocks noGrp="1"/>
+          </p:cNvSpPr>
+          <p:nvPr>
+            <p:ph type="body" idx="1"/>
+          </p:nvPr>
+        </p:nvSpPr>
+        <p:spPr/>
+        <p:txBody>
+          <a:bodyPr/>
+          <a:lstStyle/>
+          <a:p>
+            <a:r>
+              <a:rPr lang="zh-TW" altLang="en-US" b="0" dirty="0"/>
+              <a:t>日本動漫風格的少年，凌亂的黑色頭髮、紅色且深邃的眼神、看起來冷峻、白色皮膚，正開車前往目的地的樣子。</a:t>
+            </a:r>
+            <a:endParaRPr lang="en-US" altLang="zh-TW" b="0" dirty="0"/>
+          </a:p>
+          <a:p>
+            <a:endParaRPr lang="en-US" altLang="zh-TW" b="0" dirty="0"/>
+          </a:p>
+          <a:p>
+            <a:r>
+              <a:rPr lang="zh-TW" altLang="en-US" b="1" dirty="0"/>
+              <a:t>我一個衝動，直接前往了那棟紅色小屋，發現竟然真有神秘地下室。</a:t>
+            </a:r>
+            <a:endParaRPr lang="en-US" altLang="zh-TW" b="1" dirty="0"/>
+          </a:p>
+        </p:txBody>
+      </p:sp>
+      <p:sp>
+        <p:nvSpPr>
+          <p:cNvPr id="4" name="投影片編號版面配置區 3">
+            <a:extLst>
+              <a:ext uri="{FF2B5EF4-FFF2-40B4-BE49-F238E27FC236}">
+                <a16:creationId xmlns:a16="http://schemas.microsoft.com/office/drawing/2014/main" id="{DF3C2AFC-0B0F-E0DE-BB37-97E3F0E8AEE5}"/>
+              </a:ext>
+            </a:extLst>
+          </p:cNvPr>
+          <p:cNvSpPr>
+            <a:spLocks noGrp="1"/>
+          </p:cNvSpPr>
+          <p:nvPr>
+            <p:ph type="sldNum" sz="quarter" idx="5"/>
+          </p:nvPr>
+        </p:nvSpPr>
+        <p:spPr/>
+        <p:txBody>
+          <a:bodyPr/>
+          <a:lstStyle/>
+          <a:p>
+            <a:pPr marL="0" marR="0" lvl="0" indent="0" algn="r" defTabSz="914400" rtl="0" eaLnBrk="1" fontAlgn="auto" latinLnBrk="0" hangingPunct="1">
+              <a:lnSpc>
+                <a:spcPct val="100000"/>
+              </a:lnSpc>
+              <a:spcBef>
+                <a:spcPts val="0"/>
+              </a:spcBef>
+              <a:spcAft>
+                <a:spcPts val="0"/>
+              </a:spcAft>
+              <a:buClrTx/>
+              <a:buSzTx/>
+              <a:buFontTx/>
+              <a:buNone/>
+              <a:tabLst/>
+              <a:defRPr/>
+            </a:pPr>
+            <a:fld id="{00AC0041-FC2A-47A4-B2B7-4C155C5B0906}" type="slidenum">
+              <a:rPr kumimoji="0" lang="zh-TW" altLang="en-US" sz="1200" b="0" i="0" u="none" strike="noStrike" kern="1200" cap="none" spc="0" normalizeH="0" baseline="0" noProof="0" smtClean="0">
+                <a:ln>
+                  <a:noFill/>
+                </a:ln>
+                <a:solidFill>
+                  <a:prstClr val="black"/>
+                </a:solidFill>
+                <a:effectLst/>
+                <a:uLnTx/>
+                <a:uFillTx/>
+                <a:latin typeface="Aptos" panose="02110004020202020204"/>
+                <a:ea typeface="新細明體" panose="02020500000000000000" pitchFamily="18" charset="-120"/>
+                <a:cs typeface="+mn-cs"/>
+              </a:rPr>
+              <a:pPr marL="0" marR="0" lvl="0" indent="0" algn="r" defTabSz="914400" rtl="0" eaLnBrk="1" fontAlgn="auto" latinLnBrk="0" hangingPunct="1">
+                <a:lnSpc>
+                  <a:spcPct val="100000"/>
+                </a:lnSpc>
+                <a:spcBef>
+                  <a:spcPts val="0"/>
+                </a:spcBef>
+                <a:spcAft>
+                  <a:spcPts val="0"/>
+                </a:spcAft>
+                <a:buClrTx/>
+                <a:buSzTx/>
+                <a:buFontTx/>
+                <a:buNone/>
+                <a:tabLst/>
+                <a:defRPr/>
+              </a:pPr>
+              <a:t>10</a:t>
+            </a:fld>
+            <a:endParaRPr kumimoji="0" lang="zh-TW" altLang="en-US" sz="1200" b="0" i="0" u="none" strike="noStrike" kern="1200" cap="none" spc="0" normalizeH="0" baseline="0" noProof="0">
+              <a:ln>
+                <a:noFill/>
+              </a:ln>
+              <a:solidFill>
+                <a:prstClr val="black"/>
+              </a:solidFill>
+              <a:effectLst/>
+              <a:uLnTx/>
+              <a:uFillTx/>
+              <a:latin typeface="Aptos" panose="02110004020202020204"/>
+              <a:ea typeface="新細明體" panose="02020500000000000000" pitchFamily="18" charset="-120"/>
+              <a:cs typeface="+mn-cs"/>
+            </a:endParaRPr>
+          </a:p>
+        </p:txBody>
+      </p:sp>
+    </p:spTree>
+    <p:extLst>
+      <p:ext uri="{BB962C8B-B14F-4D97-AF65-F5344CB8AC3E}">
+        <p14:creationId xmlns:p14="http://schemas.microsoft.com/office/powerpoint/2010/main" val="1764723640"/>
+      </p:ext>
+    </p:extLst>
+  </p:cSld>
+  <p:clrMapOvr>
+    <a:masterClrMapping/>
+  </p:clrMapOvr>
+</p:notes>
+</file>
+
+<file path=ppt/notesSlides/notesSlide11.xml><?xml version="1.0" encoding="utf-8"?>
+<p:notes xmlns:a="http://schemas.openxmlformats.org/drawingml/2006/main" xmlns:r="http://schemas.openxmlformats.org/officeDocument/2006/relationships" xmlns:p="http://schemas.openxmlformats.org/presentationml/2006/main">
+  <p:cSld>
+    <p:spTree>
+      <p:nvGrpSpPr>
+        <p:cNvPr id="1" name="">
+          <a:extLst>
+            <a:ext uri="{FF2B5EF4-FFF2-40B4-BE49-F238E27FC236}">
+              <a16:creationId xmlns:a16="http://schemas.microsoft.com/office/drawing/2014/main" id="{1EBF6199-8A25-91A4-3150-8116C048C093}"/>
+            </a:ext>
+          </a:extLst>
+        </p:cNvPr>
+        <p:cNvGrpSpPr/>
+        <p:nvPr/>
+      </p:nvGrpSpPr>
+      <p:grpSpPr>
+        <a:xfrm>
+          <a:off x="0" y="0"/>
+          <a:ext cx="0" cy="0"/>
+          <a:chOff x="0" y="0"/>
+          <a:chExt cx="0" cy="0"/>
+        </a:xfrm>
+      </p:grpSpPr>
+      <p:sp>
+        <p:nvSpPr>
+          <p:cNvPr id="2" name="投影片影像版面配置區 1">
+            <a:extLst>
+              <a:ext uri="{FF2B5EF4-FFF2-40B4-BE49-F238E27FC236}">
+                <a16:creationId xmlns:a16="http://schemas.microsoft.com/office/drawing/2014/main" id="{A108169D-19BA-4463-DB76-AFD981D55154}"/>
+              </a:ext>
+            </a:extLst>
+          </p:cNvPr>
+          <p:cNvSpPr>
+            <a:spLocks noGrp="1" noRot="1" noChangeAspect="1"/>
+          </p:cNvSpPr>
+          <p:nvPr>
+            <p:ph type="sldImg"/>
+          </p:nvPr>
+        </p:nvSpPr>
+        <p:spPr/>
+      </p:sp>
+      <p:sp>
+        <p:nvSpPr>
+          <p:cNvPr id="3" name="備忘稿版面配置區 2">
+            <a:extLst>
+              <a:ext uri="{FF2B5EF4-FFF2-40B4-BE49-F238E27FC236}">
+                <a16:creationId xmlns:a16="http://schemas.microsoft.com/office/drawing/2014/main" id="{7F9BA5D5-4EC6-D2A1-91E3-C82837BC1725}"/>
+              </a:ext>
+            </a:extLst>
+          </p:cNvPr>
+          <p:cNvSpPr>
+            <a:spLocks noGrp="1"/>
+          </p:cNvSpPr>
+          <p:nvPr>
+            <p:ph type="body" idx="1"/>
+          </p:nvPr>
+        </p:nvSpPr>
+        <p:spPr/>
+        <p:txBody>
+          <a:bodyPr/>
+          <a:lstStyle/>
+          <a:p>
+            <a:r>
+              <a:rPr lang="zh-TW" altLang="en-US" b="0" dirty="0"/>
+              <a:t>日本動漫風格的少年，凌亂的黑色頭髮、紅色且深邃的眼神、看起來冷峻、白色皮膚，正為了破案而得意洋洋的樣子。</a:t>
+            </a:r>
+            <a:endParaRPr lang="en-US" altLang="zh-TW" b="0" dirty="0"/>
+          </a:p>
+          <a:p>
+            <a:endParaRPr lang="en-US" altLang="zh-TW" b="0" dirty="0"/>
+          </a:p>
+          <a:p>
+            <a:r>
+              <a:rPr lang="zh-TW" altLang="en-US" b="1" dirty="0"/>
+              <a:t>打開地下室隔板，真的發現了那位失蹤商人遭綁架被關在那裏，就這樣，我們破了這起失蹤案件。</a:t>
+            </a:r>
+          </a:p>
+        </p:txBody>
+      </p:sp>
+      <p:sp>
+        <p:nvSpPr>
+          <p:cNvPr id="4" name="投影片編號版面配置區 3">
+            <a:extLst>
+              <a:ext uri="{FF2B5EF4-FFF2-40B4-BE49-F238E27FC236}">
+                <a16:creationId xmlns:a16="http://schemas.microsoft.com/office/drawing/2014/main" id="{EA0870A7-1797-1A42-8E67-25C6865D0E4A}"/>
+              </a:ext>
+            </a:extLst>
+          </p:cNvPr>
+          <p:cNvSpPr>
+            <a:spLocks noGrp="1"/>
+          </p:cNvSpPr>
+          <p:nvPr>
+            <p:ph type="sldNum" sz="quarter" idx="5"/>
+          </p:nvPr>
+        </p:nvSpPr>
+        <p:spPr/>
+        <p:txBody>
+          <a:bodyPr/>
+          <a:lstStyle/>
+          <a:p>
+            <a:pPr marL="0" marR="0" lvl="0" indent="0" algn="r" defTabSz="914400" rtl="0" eaLnBrk="1" fontAlgn="auto" latinLnBrk="0" hangingPunct="1">
+              <a:lnSpc>
+                <a:spcPct val="100000"/>
+              </a:lnSpc>
+              <a:spcBef>
+                <a:spcPts val="0"/>
+              </a:spcBef>
+              <a:spcAft>
+                <a:spcPts val="0"/>
+              </a:spcAft>
+              <a:buClrTx/>
+              <a:buSzTx/>
+              <a:buFontTx/>
+              <a:buNone/>
+              <a:tabLst/>
+              <a:defRPr/>
+            </a:pPr>
+            <a:fld id="{00AC0041-FC2A-47A4-B2B7-4C155C5B0906}" type="slidenum">
+              <a:rPr kumimoji="0" lang="zh-TW" altLang="en-US" sz="1200" b="0" i="0" u="none" strike="noStrike" kern="1200" cap="none" spc="0" normalizeH="0" baseline="0" noProof="0" smtClean="0">
+                <a:ln>
+                  <a:noFill/>
+                </a:ln>
+                <a:solidFill>
+                  <a:prstClr val="black"/>
+                </a:solidFill>
+                <a:effectLst/>
+                <a:uLnTx/>
+                <a:uFillTx/>
+                <a:latin typeface="Aptos" panose="02110004020202020204"/>
+                <a:ea typeface="新細明體" panose="02020500000000000000" pitchFamily="18" charset="-120"/>
+                <a:cs typeface="+mn-cs"/>
+              </a:rPr>
+              <a:pPr marL="0" marR="0" lvl="0" indent="0" algn="r" defTabSz="914400" rtl="0" eaLnBrk="1" fontAlgn="auto" latinLnBrk="0" hangingPunct="1">
+                <a:lnSpc>
+                  <a:spcPct val="100000"/>
+                </a:lnSpc>
+                <a:spcBef>
+                  <a:spcPts val="0"/>
+                </a:spcBef>
+                <a:spcAft>
+                  <a:spcPts val="0"/>
+                </a:spcAft>
+                <a:buClrTx/>
+                <a:buSzTx/>
+                <a:buFontTx/>
+                <a:buNone/>
+                <a:tabLst/>
+                <a:defRPr/>
+              </a:pPr>
+              <a:t>11</a:t>
+            </a:fld>
+            <a:endParaRPr kumimoji="0" lang="zh-TW" altLang="en-US" sz="1200" b="0" i="0" u="none" strike="noStrike" kern="1200" cap="none" spc="0" normalizeH="0" baseline="0" noProof="0">
+              <a:ln>
+                <a:noFill/>
+              </a:ln>
+              <a:solidFill>
+                <a:prstClr val="black"/>
+              </a:solidFill>
+              <a:effectLst/>
+              <a:uLnTx/>
+              <a:uFillTx/>
+              <a:latin typeface="Aptos" panose="02110004020202020204"/>
+              <a:ea typeface="新細明體" panose="02020500000000000000" pitchFamily="18" charset="-120"/>
+              <a:cs typeface="+mn-cs"/>
+            </a:endParaRPr>
+          </a:p>
+        </p:txBody>
+      </p:sp>
+    </p:spTree>
+    <p:extLst>
+      <p:ext uri="{BB962C8B-B14F-4D97-AF65-F5344CB8AC3E}">
+        <p14:creationId xmlns:p14="http://schemas.microsoft.com/office/powerpoint/2010/main" val="1306517096"/>
+      </p:ext>
+    </p:extLst>
+  </p:cSld>
+  <p:clrMapOvr>
+    <a:masterClrMapping/>
+  </p:clrMapOvr>
+</p:notes>
+</file>
+
+<file path=ppt/notesSlides/notesSlide2.xml><?xml version="1.0" encoding="utf-8"?>
+<p:notes xmlns:a="http://schemas.openxmlformats.org/drawingml/2006/main" xmlns:r="http://schemas.openxmlformats.org/officeDocument/2006/relationships" xmlns:p="http://schemas.openxmlformats.org/presentationml/2006/main">
+  <p:cSld>
+    <p:spTree>
+      <p:nvGrpSpPr>
+        <p:cNvPr id="1" name=""/>
+        <p:cNvGrpSpPr/>
+        <p:nvPr/>
+      </p:nvGrpSpPr>
+      <p:grpSpPr>
+        <a:xfrm>
+          <a:off x="0" y="0"/>
+          <a:ext cx="0" cy="0"/>
+          <a:chOff x="0" y="0"/>
+          <a:chExt cx="0" cy="0"/>
+        </a:xfrm>
+      </p:grpSpPr>
+      <p:sp>
+        <p:nvSpPr>
+          <p:cNvPr id="2" name="投影片影像版面配置區 1"/>
+          <p:cNvSpPr>
+            <a:spLocks noGrp="1" noRot="1" noChangeAspect="1"/>
+          </p:cNvSpPr>
+          <p:nvPr>
+            <p:ph type="sldImg"/>
+          </p:nvPr>
+        </p:nvSpPr>
+        <p:spPr/>
+      </p:sp>
+      <p:sp>
+        <p:nvSpPr>
+          <p:cNvPr id="3" name="備忘稿版面配置區 2"/>
+          <p:cNvSpPr>
+            <a:spLocks noGrp="1"/>
+          </p:cNvSpPr>
+          <p:nvPr>
+            <p:ph type="body" idx="1"/>
+          </p:nvPr>
+        </p:nvSpPr>
+        <p:spPr/>
+        <p:txBody>
+          <a:bodyPr/>
+          <a:lstStyle/>
+          <a:p>
+            <a:r>
+              <a:rPr lang="zh-TW" altLang="en-US" b="0" i="0" dirty="0">
+                <a:solidFill>
+                  <a:srgbClr val="F2DDCC"/>
+                </a:solidFill>
+                <a:effectLst/>
+                <a:latin typeface="Ginto"/>
+              </a:rPr>
+              <a:t>日本動漫風格的少年，凌亂的黑色頭髮、紅色且深邃的眼神、看起來冷峻、白色皮膚，與幾位偵探，正在事務偵探所內開會，並且由一位組長在黑板面前指導並講解，即將調查的一起失蹤案件簡報。</a:t>
+            </a:r>
+            <a:endParaRPr lang="en-US" altLang="zh-TW" b="0" i="0" dirty="0">
+              <a:solidFill>
+                <a:srgbClr val="F2DDCC"/>
+              </a:solidFill>
+              <a:effectLst/>
+              <a:latin typeface="Ginto"/>
+            </a:endParaRPr>
+          </a:p>
+          <a:p>
+            <a:endParaRPr lang="en-US" altLang="zh-TW" b="0" i="0" dirty="0">
+              <a:solidFill>
+                <a:srgbClr val="F2DDCC"/>
+              </a:solidFill>
+              <a:effectLst/>
+              <a:latin typeface="Ginto"/>
+            </a:endParaRPr>
+          </a:p>
+          <a:p>
+            <a:r>
+              <a:rPr lang="zh-TW" altLang="en-US" b="1" dirty="0"/>
+              <a:t>我在偵探事務所實習過程中，曾經跟著事務所的前輩調查一宗失蹤案件。</a:t>
+            </a:r>
+          </a:p>
+        </p:txBody>
+      </p:sp>
+      <p:sp>
+        <p:nvSpPr>
+          <p:cNvPr id="4" name="投影片編號版面配置區 3"/>
+          <p:cNvSpPr>
+            <a:spLocks noGrp="1"/>
+          </p:cNvSpPr>
+          <p:nvPr>
+            <p:ph type="sldNum" sz="quarter" idx="5"/>
+          </p:nvPr>
+        </p:nvSpPr>
+        <p:spPr/>
+        <p:txBody>
+          <a:bodyPr/>
+          <a:lstStyle/>
+          <a:p>
+            <a:fld id="{00AC0041-FC2A-47A4-B2B7-4C155C5B0906}" type="slidenum">
+              <a:rPr lang="zh-TW" altLang="en-US" smtClean="0"/>
+              <a:t>2</a:t>
+            </a:fld>
+            <a:endParaRPr lang="zh-TW" altLang="en-US"/>
+          </a:p>
+        </p:txBody>
+      </p:sp>
+    </p:spTree>
+    <p:extLst>
+      <p:ext uri="{BB962C8B-B14F-4D97-AF65-F5344CB8AC3E}">
+        <p14:creationId xmlns:p14="http://schemas.microsoft.com/office/powerpoint/2010/main" val="3515996204"/>
+      </p:ext>
+    </p:extLst>
+  </p:cSld>
+  <p:clrMapOvr>
+    <a:masterClrMapping/>
+  </p:clrMapOvr>
+</p:notes>
+</file>
+
+<file path=ppt/notesSlides/notesSlide3.xml><?xml version="1.0" encoding="utf-8"?>
+<p:notes xmlns:a="http://schemas.openxmlformats.org/drawingml/2006/main" xmlns:r="http://schemas.openxmlformats.org/officeDocument/2006/relationships" xmlns:p="http://schemas.openxmlformats.org/presentationml/2006/main">
+  <p:cSld>
+    <p:spTree>
+      <p:nvGrpSpPr>
+        <p:cNvPr id="1" name=""/>
+        <p:cNvGrpSpPr/>
+        <p:nvPr/>
+      </p:nvGrpSpPr>
+      <p:grpSpPr>
+        <a:xfrm>
+          <a:off x="0" y="0"/>
+          <a:ext cx="0" cy="0"/>
+          <a:chOff x="0" y="0"/>
+          <a:chExt cx="0" cy="0"/>
+        </a:xfrm>
+      </p:grpSpPr>
+      <p:sp>
+        <p:nvSpPr>
+          <p:cNvPr id="2" name="投影片影像版面配置區 1"/>
+          <p:cNvSpPr>
+            <a:spLocks noGrp="1" noRot="1" noChangeAspect="1"/>
+          </p:cNvSpPr>
+          <p:nvPr>
+            <p:ph type="sldImg"/>
+          </p:nvPr>
+        </p:nvSpPr>
+        <p:spPr/>
+      </p:sp>
+      <p:sp>
+        <p:nvSpPr>
+          <p:cNvPr id="3" name="備忘稿版面配置區 2"/>
+          <p:cNvSpPr>
+            <a:spLocks noGrp="1"/>
+          </p:cNvSpPr>
+          <p:nvPr>
+            <p:ph type="body" idx="1"/>
+          </p:nvPr>
+        </p:nvSpPr>
+        <p:spPr/>
+        <p:txBody>
+          <a:bodyPr/>
+          <a:lstStyle/>
+          <a:p>
+            <a:r>
+              <a:rPr lang="zh-TW" altLang="en-US" b="0" dirty="0"/>
+              <a:t>風格與前面生成的圖片風格相同，具有日本動漫風格，一位商人正準備揭開企業黑幕，在房間內暗自整理資料的圖片。</a:t>
+            </a:r>
+            <a:endParaRPr lang="en-US" altLang="zh-TW" b="0" dirty="0"/>
+          </a:p>
+          <a:p>
+            <a:endParaRPr lang="en-US" altLang="zh-TW" b="0" dirty="0"/>
+          </a:p>
+          <a:p>
+            <a:r>
+              <a:rPr lang="zh-TW" altLang="en-US" b="1" dirty="0"/>
+              <a:t>案件的受害者是一位小商人，在失蹤前正計劃揭露當地企業的黑幕。</a:t>
+            </a:r>
+          </a:p>
+        </p:txBody>
+      </p:sp>
+      <p:sp>
+        <p:nvSpPr>
+          <p:cNvPr id="4" name="投影片編號版面配置區 3"/>
+          <p:cNvSpPr>
+            <a:spLocks noGrp="1"/>
+          </p:cNvSpPr>
+          <p:nvPr>
+            <p:ph type="sldNum" sz="quarter" idx="5"/>
+          </p:nvPr>
+        </p:nvSpPr>
+        <p:spPr/>
+        <p:txBody>
+          <a:bodyPr/>
+          <a:lstStyle/>
+          <a:p>
+            <a:fld id="{00AC0041-FC2A-47A4-B2B7-4C155C5B0906}" type="slidenum">
+              <a:rPr lang="zh-TW" altLang="en-US" smtClean="0"/>
+              <a:t>3</a:t>
+            </a:fld>
+            <a:endParaRPr lang="zh-TW" altLang="en-US"/>
+          </a:p>
+        </p:txBody>
+      </p:sp>
+    </p:spTree>
+    <p:extLst>
+      <p:ext uri="{BB962C8B-B14F-4D97-AF65-F5344CB8AC3E}">
+        <p14:creationId xmlns:p14="http://schemas.microsoft.com/office/powerpoint/2010/main" val="531332006"/>
+      </p:ext>
+    </p:extLst>
+  </p:cSld>
+  <p:clrMapOvr>
+    <a:masterClrMapping/>
+  </p:clrMapOvr>
+</p:notes>
+</file>
+
+<file path=ppt/notesSlides/notesSlide4.xml><?xml version="1.0" encoding="utf-8"?>
+<p:notes xmlns:a="http://schemas.openxmlformats.org/drawingml/2006/main" xmlns:r="http://schemas.openxmlformats.org/officeDocument/2006/relationships" xmlns:p="http://schemas.openxmlformats.org/presentationml/2006/main">
+  <p:cSld>
+    <p:spTree>
+      <p:nvGrpSpPr>
+        <p:cNvPr id="1" name="">
+          <a:extLst>
+            <a:ext uri="{FF2B5EF4-FFF2-40B4-BE49-F238E27FC236}">
+              <a16:creationId xmlns:a16="http://schemas.microsoft.com/office/drawing/2014/main" id="{C084A59F-8146-D974-B55C-02C0CDFC9BF6}"/>
+            </a:ext>
+          </a:extLst>
+        </p:cNvPr>
+        <p:cNvGrpSpPr/>
+        <p:nvPr/>
+      </p:nvGrpSpPr>
+      <p:grpSpPr>
+        <a:xfrm>
+          <a:off x="0" y="0"/>
+          <a:ext cx="0" cy="0"/>
+          <a:chOff x="0" y="0"/>
+          <a:chExt cx="0" cy="0"/>
+        </a:xfrm>
+      </p:grpSpPr>
+      <p:sp>
+        <p:nvSpPr>
+          <p:cNvPr id="2" name="投影片影像版面配置區 1">
+            <a:extLst>
+              <a:ext uri="{FF2B5EF4-FFF2-40B4-BE49-F238E27FC236}">
+                <a16:creationId xmlns:a16="http://schemas.microsoft.com/office/drawing/2014/main" id="{4DCB9D11-EFB0-20D7-71DA-EEFF83DE702D}"/>
+              </a:ext>
+            </a:extLst>
+          </p:cNvPr>
+          <p:cNvSpPr>
+            <a:spLocks noGrp="1" noRot="1" noChangeAspect="1"/>
+          </p:cNvSpPr>
+          <p:nvPr>
+            <p:ph type="sldImg"/>
+          </p:nvPr>
+        </p:nvSpPr>
+        <p:spPr/>
+      </p:sp>
+      <p:sp>
+        <p:nvSpPr>
+          <p:cNvPr id="3" name="備忘稿版面配置區 2">
+            <a:extLst>
+              <a:ext uri="{FF2B5EF4-FFF2-40B4-BE49-F238E27FC236}">
+                <a16:creationId xmlns:a16="http://schemas.microsoft.com/office/drawing/2014/main" id="{EB99C03A-1A02-9708-F9EF-05CB0EF0C43D}"/>
+              </a:ext>
+            </a:extLst>
+          </p:cNvPr>
+          <p:cNvSpPr>
+            <a:spLocks noGrp="1"/>
+          </p:cNvSpPr>
+          <p:nvPr>
+            <p:ph type="body" idx="1"/>
+          </p:nvPr>
+        </p:nvSpPr>
+        <p:spPr/>
+        <p:txBody>
+          <a:bodyPr/>
+          <a:lstStyle/>
+          <a:p>
+            <a:r>
+              <a:rPr lang="zh-TW" altLang="en-US" b="0" dirty="0"/>
+              <a:t>日本動漫風格的少年，凌亂的黑色頭髮、紅色且深邃的眼神、看起來冷峻、白色皮膚，正站在一家偵探事務所的建築物外面，並與幾位偵探前輩在聊天打屁。</a:t>
+            </a:r>
+            <a:endParaRPr lang="en-US" altLang="zh-TW" b="0" dirty="0"/>
+          </a:p>
+          <a:p>
+            <a:endParaRPr lang="en-US" altLang="zh-TW" b="0" dirty="0"/>
+          </a:p>
+          <a:p>
+            <a:r>
+              <a:rPr lang="zh-TW" altLang="en-US" b="1" dirty="0"/>
+              <a:t>然而，調查並不順利，由於我們來自一家沒甚麼名氣的事務所。</a:t>
+            </a:r>
+          </a:p>
+        </p:txBody>
+      </p:sp>
+      <p:sp>
+        <p:nvSpPr>
+          <p:cNvPr id="4" name="投影片編號版面配置區 3">
+            <a:extLst>
+              <a:ext uri="{FF2B5EF4-FFF2-40B4-BE49-F238E27FC236}">
+                <a16:creationId xmlns:a16="http://schemas.microsoft.com/office/drawing/2014/main" id="{C8777F8C-C35C-01B3-5C47-24FD9125CBAF}"/>
+              </a:ext>
+            </a:extLst>
+          </p:cNvPr>
+          <p:cNvSpPr>
+            <a:spLocks noGrp="1"/>
+          </p:cNvSpPr>
+          <p:nvPr>
+            <p:ph type="sldNum" sz="quarter" idx="5"/>
+          </p:nvPr>
+        </p:nvSpPr>
+        <p:spPr/>
+        <p:txBody>
+          <a:bodyPr/>
+          <a:lstStyle/>
+          <a:p>
+            <a:pPr marL="0" marR="0" lvl="0" indent="0" algn="r" defTabSz="914400" rtl="0" eaLnBrk="1" fontAlgn="auto" latinLnBrk="0" hangingPunct="1">
+              <a:lnSpc>
+                <a:spcPct val="100000"/>
+              </a:lnSpc>
+              <a:spcBef>
+                <a:spcPts val="0"/>
+              </a:spcBef>
+              <a:spcAft>
+                <a:spcPts val="0"/>
+              </a:spcAft>
+              <a:buClrTx/>
+              <a:buSzTx/>
+              <a:buFontTx/>
+              <a:buNone/>
+              <a:tabLst/>
+              <a:defRPr/>
+            </a:pPr>
+            <a:fld id="{00AC0041-FC2A-47A4-B2B7-4C155C5B0906}" type="slidenum">
+              <a:rPr kumimoji="0" lang="zh-TW" altLang="en-US" sz="1200" b="0" i="0" u="none" strike="noStrike" kern="1200" cap="none" spc="0" normalizeH="0" baseline="0" noProof="0" smtClean="0">
+                <a:ln>
+                  <a:noFill/>
+                </a:ln>
+                <a:solidFill>
+                  <a:prstClr val="black"/>
+                </a:solidFill>
+                <a:effectLst/>
+                <a:uLnTx/>
+                <a:uFillTx/>
+                <a:latin typeface="Aptos" panose="02110004020202020204"/>
+                <a:ea typeface="新細明體" panose="02020500000000000000" pitchFamily="18" charset="-120"/>
+                <a:cs typeface="+mn-cs"/>
+              </a:rPr>
+              <a:pPr marL="0" marR="0" lvl="0" indent="0" algn="r" defTabSz="914400" rtl="0" eaLnBrk="1" fontAlgn="auto" latinLnBrk="0" hangingPunct="1">
+                <a:lnSpc>
+                  <a:spcPct val="100000"/>
+                </a:lnSpc>
+                <a:spcBef>
+                  <a:spcPts val="0"/>
+                </a:spcBef>
+                <a:spcAft>
+                  <a:spcPts val="0"/>
+                </a:spcAft>
+                <a:buClrTx/>
+                <a:buSzTx/>
+                <a:buFontTx/>
+                <a:buNone/>
+                <a:tabLst/>
+                <a:defRPr/>
+              </a:pPr>
+              <a:t>4</a:t>
+            </a:fld>
+            <a:endParaRPr kumimoji="0" lang="zh-TW" altLang="en-US" sz="1200" b="0" i="0" u="none" strike="noStrike" kern="1200" cap="none" spc="0" normalizeH="0" baseline="0" noProof="0">
+              <a:ln>
+                <a:noFill/>
+              </a:ln>
+              <a:solidFill>
+                <a:prstClr val="black"/>
+              </a:solidFill>
+              <a:effectLst/>
+              <a:uLnTx/>
+              <a:uFillTx/>
+              <a:latin typeface="Aptos" panose="02110004020202020204"/>
+              <a:ea typeface="新細明體" panose="02020500000000000000" pitchFamily="18" charset="-120"/>
+              <a:cs typeface="+mn-cs"/>
+            </a:endParaRPr>
+          </a:p>
+        </p:txBody>
+      </p:sp>
+    </p:spTree>
+    <p:extLst>
+      <p:ext uri="{BB962C8B-B14F-4D97-AF65-F5344CB8AC3E}">
+        <p14:creationId xmlns:p14="http://schemas.microsoft.com/office/powerpoint/2010/main" val="2228363702"/>
+      </p:ext>
+    </p:extLst>
+  </p:cSld>
+  <p:clrMapOvr>
+    <a:masterClrMapping/>
+  </p:clrMapOvr>
+</p:notes>
+</file>
+
+<file path=ppt/notesSlides/notesSlide5.xml><?xml version="1.0" encoding="utf-8"?>
+<p:notes xmlns:a="http://schemas.openxmlformats.org/drawingml/2006/main" xmlns:r="http://schemas.openxmlformats.org/officeDocument/2006/relationships" xmlns:p="http://schemas.openxmlformats.org/presentationml/2006/main">
+  <p:cSld>
+    <p:spTree>
+      <p:nvGrpSpPr>
+        <p:cNvPr id="1" name="">
+          <a:extLst>
+            <a:ext uri="{FF2B5EF4-FFF2-40B4-BE49-F238E27FC236}">
+              <a16:creationId xmlns:a16="http://schemas.microsoft.com/office/drawing/2014/main" id="{563060B4-28B1-519F-D76E-2D9317BE8FE5}"/>
+            </a:ext>
+          </a:extLst>
+        </p:cNvPr>
+        <p:cNvGrpSpPr/>
+        <p:nvPr/>
+      </p:nvGrpSpPr>
+      <p:grpSpPr>
+        <a:xfrm>
+          <a:off x="0" y="0"/>
+          <a:ext cx="0" cy="0"/>
+          <a:chOff x="0" y="0"/>
+          <a:chExt cx="0" cy="0"/>
+        </a:xfrm>
+      </p:grpSpPr>
+      <p:sp>
+        <p:nvSpPr>
+          <p:cNvPr id="2" name="投影片影像版面配置區 1">
+            <a:extLst>
+              <a:ext uri="{FF2B5EF4-FFF2-40B4-BE49-F238E27FC236}">
+                <a16:creationId xmlns:a16="http://schemas.microsoft.com/office/drawing/2014/main" id="{1A0BEE9A-4170-D464-2380-FFAC256D5BD8}"/>
+              </a:ext>
+            </a:extLst>
+          </p:cNvPr>
+          <p:cNvSpPr>
+            <a:spLocks noGrp="1" noRot="1" noChangeAspect="1"/>
+          </p:cNvSpPr>
+          <p:nvPr>
+            <p:ph type="sldImg"/>
+          </p:nvPr>
+        </p:nvSpPr>
+        <p:spPr/>
+      </p:sp>
+      <p:sp>
+        <p:nvSpPr>
+          <p:cNvPr id="3" name="備忘稿版面配置區 2">
+            <a:extLst>
+              <a:ext uri="{FF2B5EF4-FFF2-40B4-BE49-F238E27FC236}">
+                <a16:creationId xmlns:a16="http://schemas.microsoft.com/office/drawing/2014/main" id="{B872A7C2-4BC5-2DAF-109E-9E32B84C9F92}"/>
+              </a:ext>
+            </a:extLst>
+          </p:cNvPr>
+          <p:cNvSpPr>
+            <a:spLocks noGrp="1"/>
+          </p:cNvSpPr>
+          <p:nvPr>
+            <p:ph type="body" idx="1"/>
+          </p:nvPr>
+        </p:nvSpPr>
+        <p:spPr/>
+        <p:txBody>
+          <a:bodyPr/>
+          <a:lstStyle/>
+          <a:p>
+            <a:r>
+              <a:rPr lang="zh-TW" altLang="en-US" b="0" dirty="0"/>
+              <a:t>日本動漫風格的少年，凌亂的黑色頭髮、紅色且深邃的眼神、看起來冷峻、白色皮膚，正在前往一個小鎮調查重要資料，但發現前方被警方封鎖線給圍了起來，並且警察舉手示意不能通過。</a:t>
+            </a:r>
+            <a:endParaRPr lang="en-US" altLang="zh-TW" b="0" dirty="0"/>
+          </a:p>
+          <a:p>
+            <a:endParaRPr lang="en-US" altLang="zh-TW" b="0" dirty="0"/>
+          </a:p>
+          <a:p>
+            <a:r>
+              <a:rPr lang="zh-TW" altLang="en-US" b="1" dirty="0"/>
+              <a:t>因此初期馬上就碰到第一個阻礙，就是來自警方的封鎖，使得我們遲遲無法獲取案件的核心檔案。</a:t>
+            </a:r>
+          </a:p>
+        </p:txBody>
+      </p:sp>
+      <p:sp>
+        <p:nvSpPr>
+          <p:cNvPr id="4" name="投影片編號版面配置區 3">
+            <a:extLst>
+              <a:ext uri="{FF2B5EF4-FFF2-40B4-BE49-F238E27FC236}">
+                <a16:creationId xmlns:a16="http://schemas.microsoft.com/office/drawing/2014/main" id="{8B7352C2-7F00-1BC2-18BF-8CBD3BA8E993}"/>
+              </a:ext>
+            </a:extLst>
+          </p:cNvPr>
+          <p:cNvSpPr>
+            <a:spLocks noGrp="1"/>
+          </p:cNvSpPr>
+          <p:nvPr>
+            <p:ph type="sldNum" sz="quarter" idx="5"/>
+          </p:nvPr>
+        </p:nvSpPr>
+        <p:spPr/>
+        <p:txBody>
+          <a:bodyPr/>
+          <a:lstStyle/>
+          <a:p>
+            <a:pPr marL="0" marR="0" lvl="0" indent="0" algn="r" defTabSz="914400" rtl="0" eaLnBrk="1" fontAlgn="auto" latinLnBrk="0" hangingPunct="1">
+              <a:lnSpc>
+                <a:spcPct val="100000"/>
+              </a:lnSpc>
+              <a:spcBef>
+                <a:spcPts val="0"/>
+              </a:spcBef>
+              <a:spcAft>
+                <a:spcPts val="0"/>
+              </a:spcAft>
+              <a:buClrTx/>
+              <a:buSzTx/>
+              <a:buFontTx/>
+              <a:buNone/>
+              <a:tabLst/>
+              <a:defRPr/>
+            </a:pPr>
+            <a:fld id="{00AC0041-FC2A-47A4-B2B7-4C155C5B0906}" type="slidenum">
+              <a:rPr kumimoji="0" lang="zh-TW" altLang="en-US" sz="1200" b="0" i="0" u="none" strike="noStrike" kern="1200" cap="none" spc="0" normalizeH="0" baseline="0" noProof="0" smtClean="0">
+                <a:ln>
+                  <a:noFill/>
+                </a:ln>
+                <a:solidFill>
+                  <a:prstClr val="black"/>
+                </a:solidFill>
+                <a:effectLst/>
+                <a:uLnTx/>
+                <a:uFillTx/>
+                <a:latin typeface="Aptos" panose="02110004020202020204"/>
+                <a:ea typeface="新細明體" panose="02020500000000000000" pitchFamily="18" charset="-120"/>
+                <a:cs typeface="+mn-cs"/>
+              </a:rPr>
+              <a:pPr marL="0" marR="0" lvl="0" indent="0" algn="r" defTabSz="914400" rtl="0" eaLnBrk="1" fontAlgn="auto" latinLnBrk="0" hangingPunct="1">
+                <a:lnSpc>
+                  <a:spcPct val="100000"/>
+                </a:lnSpc>
+                <a:spcBef>
+                  <a:spcPts val="0"/>
+                </a:spcBef>
+                <a:spcAft>
+                  <a:spcPts val="0"/>
+                </a:spcAft>
+                <a:buClrTx/>
+                <a:buSzTx/>
+                <a:buFontTx/>
+                <a:buNone/>
+                <a:tabLst/>
+                <a:defRPr/>
+              </a:pPr>
+              <a:t>5</a:t>
+            </a:fld>
+            <a:endParaRPr kumimoji="0" lang="zh-TW" altLang="en-US" sz="1200" b="0" i="0" u="none" strike="noStrike" kern="1200" cap="none" spc="0" normalizeH="0" baseline="0" noProof="0">
+              <a:ln>
+                <a:noFill/>
+              </a:ln>
+              <a:solidFill>
+                <a:prstClr val="black"/>
+              </a:solidFill>
+              <a:effectLst/>
+              <a:uLnTx/>
+              <a:uFillTx/>
+              <a:latin typeface="Aptos" panose="02110004020202020204"/>
+              <a:ea typeface="新細明體" panose="02020500000000000000" pitchFamily="18" charset="-120"/>
+              <a:cs typeface="+mn-cs"/>
+            </a:endParaRPr>
+          </a:p>
+        </p:txBody>
+      </p:sp>
+    </p:spTree>
+    <p:extLst>
+      <p:ext uri="{BB962C8B-B14F-4D97-AF65-F5344CB8AC3E}">
+        <p14:creationId xmlns:p14="http://schemas.microsoft.com/office/powerpoint/2010/main" val="1566992918"/>
+      </p:ext>
+    </p:extLst>
+  </p:cSld>
+  <p:clrMapOvr>
+    <a:masterClrMapping/>
+  </p:clrMapOvr>
+</p:notes>
+</file>
+
+<file path=ppt/notesSlides/notesSlide6.xml><?xml version="1.0" encoding="utf-8"?>
+<p:notes xmlns:a="http://schemas.openxmlformats.org/drawingml/2006/main" xmlns:r="http://schemas.openxmlformats.org/officeDocument/2006/relationships" xmlns:p="http://schemas.openxmlformats.org/presentationml/2006/main">
+  <p:cSld>
+    <p:spTree>
+      <p:nvGrpSpPr>
+        <p:cNvPr id="1" name="">
+          <a:extLst>
+            <a:ext uri="{FF2B5EF4-FFF2-40B4-BE49-F238E27FC236}">
+              <a16:creationId xmlns:a16="http://schemas.microsoft.com/office/drawing/2014/main" id="{A40974FD-3338-C6A0-CA94-8496B9D44C52}"/>
+            </a:ext>
+          </a:extLst>
+        </p:cNvPr>
+        <p:cNvGrpSpPr/>
+        <p:nvPr/>
+      </p:nvGrpSpPr>
+      <p:grpSpPr>
+        <a:xfrm>
+          <a:off x="0" y="0"/>
+          <a:ext cx="0" cy="0"/>
+          <a:chOff x="0" y="0"/>
+          <a:chExt cx="0" cy="0"/>
+        </a:xfrm>
+      </p:grpSpPr>
+      <p:sp>
+        <p:nvSpPr>
+          <p:cNvPr id="2" name="投影片影像版面配置區 1">
+            <a:extLst>
+              <a:ext uri="{FF2B5EF4-FFF2-40B4-BE49-F238E27FC236}">
+                <a16:creationId xmlns:a16="http://schemas.microsoft.com/office/drawing/2014/main" id="{880C2503-D885-3981-6BB0-9CAD8003D700}"/>
+              </a:ext>
+            </a:extLst>
+          </p:cNvPr>
+          <p:cNvSpPr>
+            <a:spLocks noGrp="1" noRot="1" noChangeAspect="1"/>
+          </p:cNvSpPr>
+          <p:nvPr>
+            <p:ph type="sldImg"/>
+          </p:nvPr>
+        </p:nvSpPr>
+        <p:spPr/>
+      </p:sp>
+      <p:sp>
+        <p:nvSpPr>
+          <p:cNvPr id="3" name="備忘稿版面配置區 2">
+            <a:extLst>
+              <a:ext uri="{FF2B5EF4-FFF2-40B4-BE49-F238E27FC236}">
+                <a16:creationId xmlns:a16="http://schemas.microsoft.com/office/drawing/2014/main" id="{1F4C6DD0-5145-D73B-3E56-3FBD498068BC}"/>
+              </a:ext>
+            </a:extLst>
+          </p:cNvPr>
+          <p:cNvSpPr>
+            <a:spLocks noGrp="1"/>
+          </p:cNvSpPr>
+          <p:nvPr>
+            <p:ph type="body" idx="1"/>
+          </p:nvPr>
+        </p:nvSpPr>
+        <p:spPr/>
+        <p:txBody>
+          <a:bodyPr/>
+          <a:lstStyle/>
+          <a:p>
+            <a:r>
+              <a:rPr lang="zh-TW" altLang="en-US" b="0" dirty="0"/>
+              <a:t>日本動漫風格的少年，凌亂的黑色頭髮、紅色且深邃的眼神、看起來冷峻、白色皮膚，正在跟記者媒體打聽資訊，以及正在訪談平民。</a:t>
+            </a:r>
+            <a:endParaRPr lang="en-US" altLang="zh-TW" b="0" dirty="0"/>
+          </a:p>
+          <a:p>
+            <a:endParaRPr lang="en-US" altLang="zh-TW" b="0" dirty="0"/>
+          </a:p>
+          <a:p>
+            <a:r>
+              <a:rPr lang="zh-TW" altLang="en-US" b="1" dirty="0"/>
+              <a:t>但是，我們並沒有放棄，還是努力的挖掘所能找到的線索，向商人的朋友、親近人士打聽，並在社群媒體上找到蛛絲馬跡。</a:t>
+            </a:r>
+          </a:p>
+        </p:txBody>
+      </p:sp>
+      <p:sp>
+        <p:nvSpPr>
+          <p:cNvPr id="4" name="投影片編號版面配置區 3">
+            <a:extLst>
+              <a:ext uri="{FF2B5EF4-FFF2-40B4-BE49-F238E27FC236}">
+                <a16:creationId xmlns:a16="http://schemas.microsoft.com/office/drawing/2014/main" id="{6C411824-41F6-2814-C256-1C8DBEADE72D}"/>
+              </a:ext>
+            </a:extLst>
+          </p:cNvPr>
+          <p:cNvSpPr>
+            <a:spLocks noGrp="1"/>
+          </p:cNvSpPr>
+          <p:nvPr>
+            <p:ph type="sldNum" sz="quarter" idx="5"/>
+          </p:nvPr>
+        </p:nvSpPr>
+        <p:spPr/>
+        <p:txBody>
+          <a:bodyPr/>
+          <a:lstStyle/>
+          <a:p>
+            <a:pPr marL="0" marR="0" lvl="0" indent="0" algn="r" defTabSz="914400" rtl="0" eaLnBrk="1" fontAlgn="auto" latinLnBrk="0" hangingPunct="1">
+              <a:lnSpc>
+                <a:spcPct val="100000"/>
+              </a:lnSpc>
+              <a:spcBef>
+                <a:spcPts val="0"/>
+              </a:spcBef>
+              <a:spcAft>
+                <a:spcPts val="0"/>
+              </a:spcAft>
+              <a:buClrTx/>
+              <a:buSzTx/>
+              <a:buFontTx/>
+              <a:buNone/>
+              <a:tabLst/>
+              <a:defRPr/>
+            </a:pPr>
+            <a:fld id="{00AC0041-FC2A-47A4-B2B7-4C155C5B0906}" type="slidenum">
+              <a:rPr kumimoji="0" lang="zh-TW" altLang="en-US" sz="1200" b="0" i="0" u="none" strike="noStrike" kern="1200" cap="none" spc="0" normalizeH="0" baseline="0" noProof="0" smtClean="0">
+                <a:ln>
+                  <a:noFill/>
+                </a:ln>
+                <a:solidFill>
+                  <a:prstClr val="black"/>
+                </a:solidFill>
+                <a:effectLst/>
+                <a:uLnTx/>
+                <a:uFillTx/>
+                <a:latin typeface="Aptos" panose="02110004020202020204"/>
+                <a:ea typeface="新細明體" panose="02020500000000000000" pitchFamily="18" charset="-120"/>
+                <a:cs typeface="+mn-cs"/>
+              </a:rPr>
+              <a:pPr marL="0" marR="0" lvl="0" indent="0" algn="r" defTabSz="914400" rtl="0" eaLnBrk="1" fontAlgn="auto" latinLnBrk="0" hangingPunct="1">
+                <a:lnSpc>
+                  <a:spcPct val="100000"/>
+                </a:lnSpc>
+                <a:spcBef>
+                  <a:spcPts val="0"/>
+                </a:spcBef>
+                <a:spcAft>
+                  <a:spcPts val="0"/>
+                </a:spcAft>
+                <a:buClrTx/>
+                <a:buSzTx/>
+                <a:buFontTx/>
+                <a:buNone/>
+                <a:tabLst/>
+                <a:defRPr/>
+              </a:pPr>
+              <a:t>6</a:t>
+            </a:fld>
+            <a:endParaRPr kumimoji="0" lang="zh-TW" altLang="en-US" sz="1200" b="0" i="0" u="none" strike="noStrike" kern="1200" cap="none" spc="0" normalizeH="0" baseline="0" noProof="0">
+              <a:ln>
+                <a:noFill/>
+              </a:ln>
+              <a:solidFill>
+                <a:prstClr val="black"/>
+              </a:solidFill>
+              <a:effectLst/>
+              <a:uLnTx/>
+              <a:uFillTx/>
+              <a:latin typeface="Aptos" panose="02110004020202020204"/>
+              <a:ea typeface="新細明體" panose="02020500000000000000" pitchFamily="18" charset="-120"/>
+              <a:cs typeface="+mn-cs"/>
+            </a:endParaRPr>
+          </a:p>
+        </p:txBody>
+      </p:sp>
+    </p:spTree>
+    <p:extLst>
+      <p:ext uri="{BB962C8B-B14F-4D97-AF65-F5344CB8AC3E}">
+        <p14:creationId xmlns:p14="http://schemas.microsoft.com/office/powerpoint/2010/main" val="3643933245"/>
+      </p:ext>
+    </p:extLst>
+  </p:cSld>
+  <p:clrMapOvr>
+    <a:masterClrMapping/>
+  </p:clrMapOvr>
+</p:notes>
+</file>
+
+<file path=ppt/notesSlides/notesSlide7.xml><?xml version="1.0" encoding="utf-8"?>
+<p:notes xmlns:a="http://schemas.openxmlformats.org/drawingml/2006/main" xmlns:r="http://schemas.openxmlformats.org/officeDocument/2006/relationships" xmlns:p="http://schemas.openxmlformats.org/presentationml/2006/main">
+  <p:cSld>
+    <p:spTree>
+      <p:nvGrpSpPr>
+        <p:cNvPr id="1" name="">
+          <a:extLst>
+            <a:ext uri="{FF2B5EF4-FFF2-40B4-BE49-F238E27FC236}">
+              <a16:creationId xmlns:a16="http://schemas.microsoft.com/office/drawing/2014/main" id="{D9E0275F-E92A-5E3B-9BA9-4B26124BA792}"/>
+            </a:ext>
+          </a:extLst>
+        </p:cNvPr>
+        <p:cNvGrpSpPr/>
+        <p:nvPr/>
+      </p:nvGrpSpPr>
+      <p:grpSpPr>
+        <a:xfrm>
+          <a:off x="0" y="0"/>
+          <a:ext cx="0" cy="0"/>
+          <a:chOff x="0" y="0"/>
+          <a:chExt cx="0" cy="0"/>
+        </a:xfrm>
+      </p:grpSpPr>
+      <p:sp>
+        <p:nvSpPr>
+          <p:cNvPr id="2" name="投影片影像版面配置區 1">
+            <a:extLst>
+              <a:ext uri="{FF2B5EF4-FFF2-40B4-BE49-F238E27FC236}">
+                <a16:creationId xmlns:a16="http://schemas.microsoft.com/office/drawing/2014/main" id="{3FC61CD9-4A88-FE99-A548-FD3A1B79C4FD}"/>
+              </a:ext>
+            </a:extLst>
+          </p:cNvPr>
+          <p:cNvSpPr>
+            <a:spLocks noGrp="1" noRot="1" noChangeAspect="1"/>
+          </p:cNvSpPr>
+          <p:nvPr>
+            <p:ph type="sldImg"/>
+          </p:nvPr>
+        </p:nvSpPr>
+        <p:spPr/>
+      </p:sp>
+      <p:sp>
+        <p:nvSpPr>
+          <p:cNvPr id="3" name="備忘稿版面配置區 2">
+            <a:extLst>
+              <a:ext uri="{FF2B5EF4-FFF2-40B4-BE49-F238E27FC236}">
+                <a16:creationId xmlns:a16="http://schemas.microsoft.com/office/drawing/2014/main" id="{2DE96E5D-F285-5772-24F1-67FD76D0693A}"/>
+              </a:ext>
+            </a:extLst>
+          </p:cNvPr>
+          <p:cNvSpPr>
+            <a:spLocks noGrp="1"/>
+          </p:cNvSpPr>
+          <p:nvPr>
+            <p:ph type="body" idx="1"/>
+          </p:nvPr>
+        </p:nvSpPr>
+        <p:spPr/>
+        <p:txBody>
+          <a:bodyPr/>
+          <a:lstStyle/>
+          <a:p>
+            <a:r>
+              <a:rPr lang="zh-TW" altLang="en-US" b="0" dirty="0"/>
+              <a:t>日本動漫風格的少年，凌亂的黑色頭髮、紅色且深邃的眼神、看起來冷峻、白色皮膚，正在圓桌上閱讀報紙，並做出得到線索的驕傲姿態。</a:t>
+            </a:r>
+            <a:endParaRPr lang="en-US" altLang="zh-TW" b="0" dirty="0"/>
+          </a:p>
+          <a:p>
+            <a:endParaRPr lang="en-US" altLang="zh-TW" b="0" dirty="0"/>
+          </a:p>
+          <a:p>
+            <a:r>
+              <a:rPr lang="zh-TW" altLang="en-US" b="1" dirty="0"/>
+              <a:t>幾小時後，我們透過拼湊出的線索發現了一個關鍵人物，我們相信找到他就能破案。</a:t>
+            </a:r>
+          </a:p>
+        </p:txBody>
+      </p:sp>
+      <p:sp>
+        <p:nvSpPr>
+          <p:cNvPr id="4" name="投影片編號版面配置區 3">
+            <a:extLst>
+              <a:ext uri="{FF2B5EF4-FFF2-40B4-BE49-F238E27FC236}">
+                <a16:creationId xmlns:a16="http://schemas.microsoft.com/office/drawing/2014/main" id="{63025FE7-C2F2-1076-0353-DF933B0DCECA}"/>
+              </a:ext>
+            </a:extLst>
+          </p:cNvPr>
+          <p:cNvSpPr>
+            <a:spLocks noGrp="1"/>
+          </p:cNvSpPr>
+          <p:nvPr>
+            <p:ph type="sldNum" sz="quarter" idx="5"/>
+          </p:nvPr>
+        </p:nvSpPr>
+        <p:spPr/>
+        <p:txBody>
+          <a:bodyPr/>
+          <a:lstStyle/>
+          <a:p>
+            <a:pPr marL="0" marR="0" lvl="0" indent="0" algn="r" defTabSz="914400" rtl="0" eaLnBrk="1" fontAlgn="auto" latinLnBrk="0" hangingPunct="1">
+              <a:lnSpc>
+                <a:spcPct val="100000"/>
+              </a:lnSpc>
+              <a:spcBef>
+                <a:spcPts val="0"/>
+              </a:spcBef>
+              <a:spcAft>
+                <a:spcPts val="0"/>
+              </a:spcAft>
+              <a:buClrTx/>
+              <a:buSzTx/>
+              <a:buFontTx/>
+              <a:buNone/>
+              <a:tabLst/>
+              <a:defRPr/>
+            </a:pPr>
+            <a:fld id="{00AC0041-FC2A-47A4-B2B7-4C155C5B0906}" type="slidenum">
+              <a:rPr kumimoji="0" lang="zh-TW" altLang="en-US" sz="1200" b="0" i="0" u="none" strike="noStrike" kern="1200" cap="none" spc="0" normalizeH="0" baseline="0" noProof="0" smtClean="0">
+                <a:ln>
+                  <a:noFill/>
+                </a:ln>
+                <a:solidFill>
+                  <a:prstClr val="black"/>
+                </a:solidFill>
+                <a:effectLst/>
+                <a:uLnTx/>
+                <a:uFillTx/>
+                <a:latin typeface="Aptos" panose="02110004020202020204"/>
+                <a:ea typeface="新細明體" panose="02020500000000000000" pitchFamily="18" charset="-120"/>
+                <a:cs typeface="+mn-cs"/>
+              </a:rPr>
+              <a:pPr marL="0" marR="0" lvl="0" indent="0" algn="r" defTabSz="914400" rtl="0" eaLnBrk="1" fontAlgn="auto" latinLnBrk="0" hangingPunct="1">
+                <a:lnSpc>
+                  <a:spcPct val="100000"/>
+                </a:lnSpc>
+                <a:spcBef>
+                  <a:spcPts val="0"/>
+                </a:spcBef>
+                <a:spcAft>
+                  <a:spcPts val="0"/>
+                </a:spcAft>
+                <a:buClrTx/>
+                <a:buSzTx/>
+                <a:buFontTx/>
+                <a:buNone/>
+                <a:tabLst/>
+                <a:defRPr/>
+              </a:pPr>
+              <a:t>7</a:t>
+            </a:fld>
+            <a:endParaRPr kumimoji="0" lang="zh-TW" altLang="en-US" sz="1200" b="0" i="0" u="none" strike="noStrike" kern="1200" cap="none" spc="0" normalizeH="0" baseline="0" noProof="0">
+              <a:ln>
+                <a:noFill/>
+              </a:ln>
+              <a:solidFill>
+                <a:prstClr val="black"/>
+              </a:solidFill>
+              <a:effectLst/>
+              <a:uLnTx/>
+              <a:uFillTx/>
+              <a:latin typeface="Aptos" panose="02110004020202020204"/>
+              <a:ea typeface="新細明體" panose="02020500000000000000" pitchFamily="18" charset="-120"/>
+              <a:cs typeface="+mn-cs"/>
+            </a:endParaRPr>
+          </a:p>
+        </p:txBody>
+      </p:sp>
+    </p:spTree>
+    <p:extLst>
+      <p:ext uri="{BB962C8B-B14F-4D97-AF65-F5344CB8AC3E}">
+        <p14:creationId xmlns:p14="http://schemas.microsoft.com/office/powerpoint/2010/main" val="965969867"/>
+      </p:ext>
+    </p:extLst>
+  </p:cSld>
+  <p:clrMapOvr>
+    <a:masterClrMapping/>
+  </p:clrMapOvr>
+</p:notes>
+</file>
+
+<file path=ppt/notesSlides/notesSlide8.xml><?xml version="1.0" encoding="utf-8"?>
+<p:notes xmlns:a="http://schemas.openxmlformats.org/drawingml/2006/main" xmlns:r="http://schemas.openxmlformats.org/officeDocument/2006/relationships" xmlns:p="http://schemas.openxmlformats.org/presentationml/2006/main">
+  <p:cSld>
+    <p:spTree>
+      <p:nvGrpSpPr>
+        <p:cNvPr id="1" name="">
+          <a:extLst>
+            <a:ext uri="{FF2B5EF4-FFF2-40B4-BE49-F238E27FC236}">
+              <a16:creationId xmlns:a16="http://schemas.microsoft.com/office/drawing/2014/main" id="{B3970620-02B1-93C9-D2A7-0269DECEB7FF}"/>
+            </a:ext>
+          </a:extLst>
+        </p:cNvPr>
+        <p:cNvGrpSpPr/>
+        <p:nvPr/>
+      </p:nvGrpSpPr>
+      <p:grpSpPr>
+        <a:xfrm>
+          <a:off x="0" y="0"/>
+          <a:ext cx="0" cy="0"/>
+          <a:chOff x="0" y="0"/>
+          <a:chExt cx="0" cy="0"/>
+        </a:xfrm>
+      </p:grpSpPr>
+      <p:sp>
+        <p:nvSpPr>
+          <p:cNvPr id="2" name="投影片影像版面配置區 1">
+            <a:extLst>
+              <a:ext uri="{FF2B5EF4-FFF2-40B4-BE49-F238E27FC236}">
+                <a16:creationId xmlns:a16="http://schemas.microsoft.com/office/drawing/2014/main" id="{BF936E4D-0922-8E0F-60A6-5F44070A0CFE}"/>
+              </a:ext>
+            </a:extLst>
+          </p:cNvPr>
+          <p:cNvSpPr>
+            <a:spLocks noGrp="1" noRot="1" noChangeAspect="1"/>
+          </p:cNvSpPr>
+          <p:nvPr>
+            <p:ph type="sldImg"/>
+          </p:nvPr>
+        </p:nvSpPr>
+        <p:spPr/>
+      </p:sp>
+      <p:sp>
+        <p:nvSpPr>
+          <p:cNvPr id="3" name="備忘稿版面配置區 2">
+            <a:extLst>
+              <a:ext uri="{FF2B5EF4-FFF2-40B4-BE49-F238E27FC236}">
+                <a16:creationId xmlns:a16="http://schemas.microsoft.com/office/drawing/2014/main" id="{2FE6E187-07E9-26AB-277A-5C93766BC0A9}"/>
+              </a:ext>
+            </a:extLst>
+          </p:cNvPr>
+          <p:cNvSpPr>
+            <a:spLocks noGrp="1"/>
+          </p:cNvSpPr>
+          <p:nvPr>
+            <p:ph type="body" idx="1"/>
+          </p:nvPr>
+        </p:nvSpPr>
+        <p:spPr/>
+        <p:txBody>
+          <a:bodyPr/>
+          <a:lstStyle/>
+          <a:p>
+            <a:r>
+              <a:rPr lang="zh-TW" altLang="en-US" b="0" dirty="0"/>
+              <a:t>日本動漫風格的少年，凌亂的黑色頭髮、紅色且深邃的眼神、看起來冷峻、白色皮膚，正遭遇挫折掩面的樣子。</a:t>
+            </a:r>
+            <a:endParaRPr lang="en-US" altLang="zh-TW" b="0" dirty="0"/>
+          </a:p>
+          <a:p>
+            <a:endParaRPr lang="en-US" altLang="zh-TW" b="0" dirty="0"/>
+          </a:p>
+          <a:p>
+            <a:r>
+              <a:rPr lang="zh-TW" altLang="en-US" b="1" dirty="0"/>
+              <a:t>不料，透過檔案比對，才發現這個關鍵人物早已於幾周前因病過世。</a:t>
+            </a:r>
+            <a:endParaRPr lang="en-US" altLang="zh-TW" b="1" dirty="0"/>
+          </a:p>
+          <a:p>
+            <a:endParaRPr lang="zh-TW" altLang="en-US" b="0" dirty="0"/>
+          </a:p>
+        </p:txBody>
+      </p:sp>
+      <p:sp>
+        <p:nvSpPr>
+          <p:cNvPr id="4" name="投影片編號版面配置區 3">
+            <a:extLst>
+              <a:ext uri="{FF2B5EF4-FFF2-40B4-BE49-F238E27FC236}">
+                <a16:creationId xmlns:a16="http://schemas.microsoft.com/office/drawing/2014/main" id="{439F975B-5D8B-E379-F572-1C19710A3F6A}"/>
+              </a:ext>
+            </a:extLst>
+          </p:cNvPr>
+          <p:cNvSpPr>
+            <a:spLocks noGrp="1"/>
+          </p:cNvSpPr>
+          <p:nvPr>
+            <p:ph type="sldNum" sz="quarter" idx="5"/>
+          </p:nvPr>
+        </p:nvSpPr>
+        <p:spPr/>
+        <p:txBody>
+          <a:bodyPr/>
+          <a:lstStyle/>
+          <a:p>
+            <a:pPr marL="0" marR="0" lvl="0" indent="0" algn="r" defTabSz="914400" rtl="0" eaLnBrk="1" fontAlgn="auto" latinLnBrk="0" hangingPunct="1">
+              <a:lnSpc>
+                <a:spcPct val="100000"/>
+              </a:lnSpc>
+              <a:spcBef>
+                <a:spcPts val="0"/>
+              </a:spcBef>
+              <a:spcAft>
+                <a:spcPts val="0"/>
+              </a:spcAft>
+              <a:buClrTx/>
+              <a:buSzTx/>
+              <a:buFontTx/>
+              <a:buNone/>
+              <a:tabLst/>
+              <a:defRPr/>
+            </a:pPr>
+            <a:fld id="{00AC0041-FC2A-47A4-B2B7-4C155C5B0906}" type="slidenum">
+              <a:rPr kumimoji="0" lang="zh-TW" altLang="en-US" sz="1200" b="0" i="0" u="none" strike="noStrike" kern="1200" cap="none" spc="0" normalizeH="0" baseline="0" noProof="0" smtClean="0">
+                <a:ln>
+                  <a:noFill/>
+                </a:ln>
+                <a:solidFill>
+                  <a:prstClr val="black"/>
+                </a:solidFill>
+                <a:effectLst/>
+                <a:uLnTx/>
+                <a:uFillTx/>
+                <a:latin typeface="Aptos" panose="02110004020202020204"/>
+                <a:ea typeface="新細明體" panose="02020500000000000000" pitchFamily="18" charset="-120"/>
+                <a:cs typeface="+mn-cs"/>
+              </a:rPr>
+              <a:pPr marL="0" marR="0" lvl="0" indent="0" algn="r" defTabSz="914400" rtl="0" eaLnBrk="1" fontAlgn="auto" latinLnBrk="0" hangingPunct="1">
+                <a:lnSpc>
+                  <a:spcPct val="100000"/>
+                </a:lnSpc>
+                <a:spcBef>
+                  <a:spcPts val="0"/>
+                </a:spcBef>
+                <a:spcAft>
+                  <a:spcPts val="0"/>
+                </a:spcAft>
+                <a:buClrTx/>
+                <a:buSzTx/>
+                <a:buFontTx/>
+                <a:buNone/>
+                <a:tabLst/>
+                <a:defRPr/>
+              </a:pPr>
+              <a:t>8</a:t>
+            </a:fld>
+            <a:endParaRPr kumimoji="0" lang="zh-TW" altLang="en-US" sz="1200" b="0" i="0" u="none" strike="noStrike" kern="1200" cap="none" spc="0" normalizeH="0" baseline="0" noProof="0">
+              <a:ln>
+                <a:noFill/>
+              </a:ln>
+              <a:solidFill>
+                <a:prstClr val="black"/>
+              </a:solidFill>
+              <a:effectLst/>
+              <a:uLnTx/>
+              <a:uFillTx/>
+              <a:latin typeface="Aptos" panose="02110004020202020204"/>
+              <a:ea typeface="新細明體" panose="02020500000000000000" pitchFamily="18" charset="-120"/>
+              <a:cs typeface="+mn-cs"/>
+            </a:endParaRPr>
+          </a:p>
+        </p:txBody>
+      </p:sp>
+    </p:spTree>
+    <p:extLst>
+      <p:ext uri="{BB962C8B-B14F-4D97-AF65-F5344CB8AC3E}">
+        <p14:creationId xmlns:p14="http://schemas.microsoft.com/office/powerpoint/2010/main" val="1864718303"/>
+      </p:ext>
+    </p:extLst>
+  </p:cSld>
+  <p:clrMapOvr>
+    <a:masterClrMapping/>
+  </p:clrMapOvr>
+</p:notes>
+</file>
+
+<file path=ppt/notesSlides/notesSlide9.xml><?xml version="1.0" encoding="utf-8"?>
+<p:notes xmlns:a="http://schemas.openxmlformats.org/drawingml/2006/main" xmlns:r="http://schemas.openxmlformats.org/officeDocument/2006/relationships" xmlns:p="http://schemas.openxmlformats.org/presentationml/2006/main">
+  <p:cSld>
+    <p:spTree>
+      <p:nvGrpSpPr>
+        <p:cNvPr id="1" name="">
+          <a:extLst>
+            <a:ext uri="{FF2B5EF4-FFF2-40B4-BE49-F238E27FC236}">
+              <a16:creationId xmlns:a16="http://schemas.microsoft.com/office/drawing/2014/main" id="{E2770B37-9448-23AE-C3F8-127EBB621E0E}"/>
+            </a:ext>
+          </a:extLst>
+        </p:cNvPr>
+        <p:cNvGrpSpPr/>
+        <p:nvPr/>
+      </p:nvGrpSpPr>
+      <p:grpSpPr>
+        <a:xfrm>
+          <a:off x="0" y="0"/>
+          <a:ext cx="0" cy="0"/>
+          <a:chOff x="0" y="0"/>
+          <a:chExt cx="0" cy="0"/>
+        </a:xfrm>
+      </p:grpSpPr>
+      <p:sp>
+        <p:nvSpPr>
+          <p:cNvPr id="2" name="投影片影像版面配置區 1">
+            <a:extLst>
+              <a:ext uri="{FF2B5EF4-FFF2-40B4-BE49-F238E27FC236}">
+                <a16:creationId xmlns:a16="http://schemas.microsoft.com/office/drawing/2014/main" id="{BA331B9F-6706-6F6E-2736-6B657E575C12}"/>
+              </a:ext>
+            </a:extLst>
+          </p:cNvPr>
+          <p:cNvSpPr>
+            <a:spLocks noGrp="1" noRot="1" noChangeAspect="1"/>
+          </p:cNvSpPr>
+          <p:nvPr>
+            <p:ph type="sldImg"/>
+          </p:nvPr>
+        </p:nvSpPr>
+        <p:spPr/>
+      </p:sp>
+      <p:sp>
+        <p:nvSpPr>
+          <p:cNvPr id="3" name="備忘稿版面配置區 2">
+            <a:extLst>
+              <a:ext uri="{FF2B5EF4-FFF2-40B4-BE49-F238E27FC236}">
+                <a16:creationId xmlns:a16="http://schemas.microsoft.com/office/drawing/2014/main" id="{D9ECEAAF-F8BC-C5D9-1124-89027C206423}"/>
+              </a:ext>
+            </a:extLst>
+          </p:cNvPr>
+          <p:cNvSpPr>
+            <a:spLocks noGrp="1"/>
+          </p:cNvSpPr>
+          <p:nvPr>
+            <p:ph type="body" idx="1"/>
+          </p:nvPr>
+        </p:nvSpPr>
+        <p:spPr/>
+        <p:txBody>
+          <a:bodyPr/>
+          <a:lstStyle/>
+          <a:p>
+            <a:r>
+              <a:rPr lang="zh-TW" altLang="en-US" b="0" dirty="0"/>
+              <a:t>日本動漫風格的少年，凌亂的黑色頭髮、紅色且深邃的眼神、看起來冷峻、白色皮膚，正在一場會議中，打起瞌睡。</a:t>
+            </a:r>
+            <a:endParaRPr lang="en-US" altLang="zh-TW" b="0" dirty="0"/>
+          </a:p>
+          <a:p>
+            <a:endParaRPr lang="en-US" altLang="zh-TW" b="0" dirty="0"/>
+          </a:p>
+          <a:p>
+            <a:r>
+              <a:rPr lang="zh-TW" altLang="en-US" b="1" dirty="0"/>
+              <a:t>正當我們煩惱著前面的調查化為烏有時，在一次的會議我打瞌睡的過程中，突然夢到隔壁小鎮的一棟紅色房子內部有個地下密室。</a:t>
+            </a:r>
+          </a:p>
+        </p:txBody>
+      </p:sp>
+      <p:sp>
+        <p:nvSpPr>
+          <p:cNvPr id="4" name="投影片編號版面配置區 3">
+            <a:extLst>
+              <a:ext uri="{FF2B5EF4-FFF2-40B4-BE49-F238E27FC236}">
+                <a16:creationId xmlns:a16="http://schemas.microsoft.com/office/drawing/2014/main" id="{99F7178E-3F8D-E165-D77D-84D8560F2A47}"/>
+              </a:ext>
+            </a:extLst>
+          </p:cNvPr>
+          <p:cNvSpPr>
+            <a:spLocks noGrp="1"/>
+          </p:cNvSpPr>
+          <p:nvPr>
+            <p:ph type="sldNum" sz="quarter" idx="5"/>
+          </p:nvPr>
+        </p:nvSpPr>
+        <p:spPr/>
+        <p:txBody>
+          <a:bodyPr/>
+          <a:lstStyle/>
+          <a:p>
+            <a:pPr marL="0" marR="0" lvl="0" indent="0" algn="r" defTabSz="914400" rtl="0" eaLnBrk="1" fontAlgn="auto" latinLnBrk="0" hangingPunct="1">
+              <a:lnSpc>
+                <a:spcPct val="100000"/>
+              </a:lnSpc>
+              <a:spcBef>
+                <a:spcPts val="0"/>
+              </a:spcBef>
+              <a:spcAft>
+                <a:spcPts val="0"/>
+              </a:spcAft>
+              <a:buClrTx/>
+              <a:buSzTx/>
+              <a:buFontTx/>
+              <a:buNone/>
+              <a:tabLst/>
+              <a:defRPr/>
+            </a:pPr>
+            <a:fld id="{00AC0041-FC2A-47A4-B2B7-4C155C5B0906}" type="slidenum">
+              <a:rPr kumimoji="0" lang="zh-TW" altLang="en-US" sz="1200" b="0" i="0" u="none" strike="noStrike" kern="1200" cap="none" spc="0" normalizeH="0" baseline="0" noProof="0" smtClean="0">
+                <a:ln>
+                  <a:noFill/>
+                </a:ln>
+                <a:solidFill>
+                  <a:prstClr val="black"/>
+                </a:solidFill>
+                <a:effectLst/>
+                <a:uLnTx/>
+                <a:uFillTx/>
+                <a:latin typeface="Aptos" panose="02110004020202020204"/>
+                <a:ea typeface="新細明體" panose="02020500000000000000" pitchFamily="18" charset="-120"/>
+                <a:cs typeface="+mn-cs"/>
+              </a:rPr>
+              <a:pPr marL="0" marR="0" lvl="0" indent="0" algn="r" defTabSz="914400" rtl="0" eaLnBrk="1" fontAlgn="auto" latinLnBrk="0" hangingPunct="1">
+                <a:lnSpc>
+                  <a:spcPct val="100000"/>
+                </a:lnSpc>
+                <a:spcBef>
+                  <a:spcPts val="0"/>
+                </a:spcBef>
+                <a:spcAft>
+                  <a:spcPts val="0"/>
+                </a:spcAft>
+                <a:buClrTx/>
+                <a:buSzTx/>
+                <a:buFontTx/>
+                <a:buNone/>
+                <a:tabLst/>
+                <a:defRPr/>
+              </a:pPr>
+              <a:t>9</a:t>
+            </a:fld>
+            <a:endParaRPr kumimoji="0" lang="zh-TW" altLang="en-US" sz="1200" b="0" i="0" u="none" strike="noStrike" kern="1200" cap="none" spc="0" normalizeH="0" baseline="0" noProof="0">
+              <a:ln>
+                <a:noFill/>
+              </a:ln>
+              <a:solidFill>
+                <a:prstClr val="black"/>
+              </a:solidFill>
+              <a:effectLst/>
+              <a:uLnTx/>
+              <a:uFillTx/>
+              <a:latin typeface="Aptos" panose="02110004020202020204"/>
+              <a:ea typeface="新細明體" panose="02020500000000000000" pitchFamily="18" charset="-120"/>
+              <a:cs typeface="+mn-cs"/>
+            </a:endParaRPr>
+          </a:p>
+        </p:txBody>
+      </p:sp>
+    </p:spTree>
+    <p:extLst>
+      <p:ext uri="{BB962C8B-B14F-4D97-AF65-F5344CB8AC3E}">
+        <p14:creationId xmlns:p14="http://schemas.microsoft.com/office/powerpoint/2010/main" val="458146011"/>
+      </p:ext>
+    </p:extLst>
+  </p:cSld>
+  <p:clrMapOvr>
+    <a:masterClrMapping/>
+  </p:clrMapOvr>
+</p:notes>
 </file>
 
 <file path=ppt/slideLayouts/slideLayout1.xml><?xml version="1.0" encoding="utf-8"?>
@@ -254,7 +2370,7 @@
           <a:p>
             <a:fld id="{C3C90D7E-32D6-4894-AE08-7BBB3E610FC9}" type="datetimeFigureOut">
               <a:rPr lang="zh-TW" altLang="en-US" smtClean="0"/>
-              <a:t>2024/9/16</a:t>
+              <a:t>2024/10/27</a:t>
             </a:fld>
             <a:endParaRPr lang="zh-TW" altLang="en-US"/>
           </a:p>
@@ -452,7 +2568,7 @@
           <a:p>
             <a:fld id="{C3C90D7E-32D6-4894-AE08-7BBB3E610FC9}" type="datetimeFigureOut">
               <a:rPr lang="zh-TW" altLang="en-US" smtClean="0"/>
-              <a:t>2024/9/16</a:t>
+              <a:t>2024/10/27</a:t>
             </a:fld>
             <a:endParaRPr lang="zh-TW" altLang="en-US"/>
           </a:p>
@@ -660,7 +2776,7 @@
           <a:p>
             <a:fld id="{C3C90D7E-32D6-4894-AE08-7BBB3E610FC9}" type="datetimeFigureOut">
               <a:rPr lang="zh-TW" altLang="en-US" smtClean="0"/>
-              <a:t>2024/9/16</a:t>
+              <a:t>2024/10/27</a:t>
             </a:fld>
             <a:endParaRPr lang="zh-TW" altLang="en-US"/>
           </a:p>
@@ -858,7 +2974,7 @@
           <a:p>
             <a:fld id="{C3C90D7E-32D6-4894-AE08-7BBB3E610FC9}" type="datetimeFigureOut">
               <a:rPr lang="zh-TW" altLang="en-US" smtClean="0"/>
-              <a:t>2024/9/16</a:t>
+              <a:t>2024/10/27</a:t>
             </a:fld>
             <a:endParaRPr lang="zh-TW" altLang="en-US"/>
           </a:p>
@@ -1133,7 +3249,7 @@
           <a:p>
             <a:fld id="{C3C90D7E-32D6-4894-AE08-7BBB3E610FC9}" type="datetimeFigureOut">
               <a:rPr lang="zh-TW" altLang="en-US" smtClean="0"/>
-              <a:t>2024/9/16</a:t>
+              <a:t>2024/10/27</a:t>
             </a:fld>
             <a:endParaRPr lang="zh-TW" altLang="en-US"/>
           </a:p>
@@ -1398,7 +3514,7 @@
           <a:p>
             <a:fld id="{C3C90D7E-32D6-4894-AE08-7BBB3E610FC9}" type="datetimeFigureOut">
               <a:rPr lang="zh-TW" altLang="en-US" smtClean="0"/>
-              <a:t>2024/9/16</a:t>
+              <a:t>2024/10/27</a:t>
             </a:fld>
             <a:endParaRPr lang="zh-TW" altLang="en-US"/>
           </a:p>
@@ -1810,7 +3926,7 @@
           <a:p>
             <a:fld id="{C3C90D7E-32D6-4894-AE08-7BBB3E610FC9}" type="datetimeFigureOut">
               <a:rPr lang="zh-TW" altLang="en-US" smtClean="0"/>
-              <a:t>2024/9/16</a:t>
+              <a:t>2024/10/27</a:t>
             </a:fld>
             <a:endParaRPr lang="zh-TW" altLang="en-US"/>
           </a:p>
@@ -1951,7 +4067,7 @@
           <a:p>
             <a:fld id="{C3C90D7E-32D6-4894-AE08-7BBB3E610FC9}" type="datetimeFigureOut">
               <a:rPr lang="zh-TW" altLang="en-US" smtClean="0"/>
-              <a:t>2024/9/16</a:t>
+              <a:t>2024/10/27</a:t>
             </a:fld>
             <a:endParaRPr lang="zh-TW" altLang="en-US"/>
           </a:p>
@@ -2064,7 +4180,7 @@
           <a:p>
             <a:fld id="{C3C90D7E-32D6-4894-AE08-7BBB3E610FC9}" type="datetimeFigureOut">
               <a:rPr lang="zh-TW" altLang="en-US" smtClean="0"/>
-              <a:t>2024/9/16</a:t>
+              <a:t>2024/10/27</a:t>
             </a:fld>
             <a:endParaRPr lang="zh-TW" altLang="en-US"/>
           </a:p>
@@ -2375,7 +4491,7 @@
           <a:p>
             <a:fld id="{C3C90D7E-32D6-4894-AE08-7BBB3E610FC9}" type="datetimeFigureOut">
               <a:rPr lang="zh-TW" altLang="en-US" smtClean="0"/>
-              <a:t>2024/9/16</a:t>
+              <a:t>2024/10/27</a:t>
             </a:fld>
             <a:endParaRPr lang="zh-TW" altLang="en-US"/>
           </a:p>
@@ -2663,7 +4779,7 @@
           <a:p>
             <a:fld id="{C3C90D7E-32D6-4894-AE08-7BBB3E610FC9}" type="datetimeFigureOut">
               <a:rPr lang="zh-TW" altLang="en-US" smtClean="0"/>
-              <a:t>2024/9/16</a:t>
+              <a:t>2024/10/27</a:t>
             </a:fld>
             <a:endParaRPr lang="zh-TW" altLang="en-US"/>
           </a:p>
@@ -2904,7 +5020,7 @@
           <a:p>
             <a:fld id="{C3C90D7E-32D6-4894-AE08-7BBB3E610FC9}" type="datetimeFigureOut">
               <a:rPr lang="zh-TW" altLang="en-US" smtClean="0"/>
-              <a:t>2024/9/16</a:t>
+              <a:t>2024/10/27</a:t>
             </a:fld>
             <a:endParaRPr lang="zh-TW" altLang="en-US"/>
           </a:p>
@@ -3307,6 +5423,14 @@
 <file path=ppt/slides/slide1.xml><?xml version="1.0" encoding="utf-8"?>
 <p:sld xmlns:a="http://schemas.openxmlformats.org/drawingml/2006/main" xmlns:r="http://schemas.openxmlformats.org/officeDocument/2006/relationships" xmlns:p="http://schemas.openxmlformats.org/presentationml/2006/main">
   <p:cSld>
+    <p:bg>
+      <p:bgPr>
+        <a:solidFill>
+          <a:srgbClr val="7A001D"/>
+        </a:solidFill>
+        <a:effectLst/>
+      </p:bgPr>
+    </p:bg>
     <p:spTree>
       <p:nvGrpSpPr>
         <p:cNvPr id="1" name=""/>
@@ -3337,37 +5461,80 @@
             <p:ph type="ctrTitle"/>
           </p:nvPr>
         </p:nvSpPr>
-        <p:spPr/>
-        <p:txBody>
-          <a:bodyPr/>
-          <a:lstStyle/>
-          <a:p>
-            <a:endParaRPr lang="zh-TW" altLang="en-US"/>
-          </a:p>
-        </p:txBody>
-      </p:sp>
-      <p:sp>
-        <p:nvSpPr>
-          <p:cNvPr id="3" name="副標題 2">
-            <a:extLst>
-              <a:ext uri="{FF2B5EF4-FFF2-40B4-BE49-F238E27FC236}">
-                <a16:creationId xmlns:a16="http://schemas.microsoft.com/office/drawing/2014/main" id="{8C946F38-524D-4B98-B9CB-80AEE57E455A}"/>
-              </a:ext>
-            </a:extLst>
-          </p:cNvPr>
-          <p:cNvSpPr>
-            <a:spLocks noGrp="1"/>
-          </p:cNvSpPr>
-          <p:nvPr>
-            <p:ph type="subTitle" idx="1"/>
-          </p:nvPr>
-        </p:nvSpPr>
-        <p:spPr/>
-        <p:txBody>
-          <a:bodyPr/>
-          <a:lstStyle/>
-          <a:p>
-            <a:endParaRPr lang="zh-TW" altLang="en-US"/>
+        <p:spPr>
+          <a:xfrm>
+            <a:off x="79025" y="1195387"/>
+            <a:ext cx="6350349" cy="2971799"/>
+          </a:xfrm>
+          <a:noFill/>
+        </p:spPr>
+        <p:txBody>
+          <a:bodyPr>
+            <a:normAutofit/>
+          </a:bodyPr>
+          <a:lstStyle/>
+          <a:p>
+            <a:pPr>
+              <a:lnSpc>
+                <a:spcPct val="150000"/>
+              </a:lnSpc>
+            </a:pPr>
+            <a:r>
+              <a:rPr lang="zh-TW" altLang="en-US" dirty="0">
+                <a:solidFill>
+                  <a:schemeClr val="bg1"/>
+                </a:solidFill>
+                <a:latin typeface="微軟正黑體" panose="020B0604030504040204" pitchFamily="34" charset="-120"/>
+                <a:ea typeface="微軟正黑體" panose="020B0604030504040204" pitchFamily="34" charset="-120"/>
+              </a:rPr>
+              <a:t>冒險故事</a:t>
+            </a:r>
+            <a:br>
+              <a:rPr lang="en-US" altLang="zh-TW" dirty="0">
+                <a:solidFill>
+                  <a:schemeClr val="bg1"/>
+                </a:solidFill>
+                <a:latin typeface="微軟正黑體" panose="020B0604030504040204" pitchFamily="34" charset="-120"/>
+                <a:ea typeface="微軟正黑體" panose="020B0604030504040204" pitchFamily="34" charset="-120"/>
+              </a:rPr>
+            </a:br>
+            <a:r>
+              <a:rPr lang="en-US" altLang="zh-TW" dirty="0">
+                <a:solidFill>
+                  <a:schemeClr val="bg1"/>
+                </a:solidFill>
+                <a:latin typeface="微軟正黑體" panose="020B0604030504040204" pitchFamily="34" charset="-120"/>
+                <a:ea typeface="微軟正黑體" panose="020B0604030504040204" pitchFamily="34" charset="-120"/>
+              </a:rPr>
+              <a:t>(</a:t>
+            </a:r>
+            <a:r>
+              <a:rPr lang="en-US" altLang="zh-TW" dirty="0" err="1">
+                <a:solidFill>
+                  <a:schemeClr val="bg1"/>
+                </a:solidFill>
+                <a:latin typeface="微軟正黑體" panose="020B0604030504040204" pitchFamily="34" charset="-120"/>
+                <a:ea typeface="微軟正黑體" panose="020B0604030504040204" pitchFamily="34" charset="-120"/>
+              </a:rPr>
+              <a:t>VTube</a:t>
+            </a:r>
+            <a:r>
+              <a:rPr lang="en-US" altLang="zh-TW" dirty="0">
+                <a:solidFill>
+                  <a:schemeClr val="bg1"/>
+                </a:solidFill>
+                <a:latin typeface="微軟正黑體" panose="020B0604030504040204" pitchFamily="34" charset="-120"/>
+                <a:ea typeface="微軟正黑體" panose="020B0604030504040204" pitchFamily="34" charset="-120"/>
+              </a:rPr>
+              <a:t> Studio)</a:t>
+            </a:r>
+            <a:endParaRPr lang="zh-TW" altLang="en-US" dirty="0">
+              <a:solidFill>
+                <a:schemeClr val="bg1"/>
+              </a:solidFill>
+              <a:latin typeface="微軟正黑體" panose="020B0604030504040204" pitchFamily="34" charset="-120"/>
+              <a:ea typeface="微軟正黑體" panose="020B0604030504040204" pitchFamily="34" charset="-120"/>
+            </a:endParaRPr>
           </a:p>
         </p:txBody>
       </p:sp>
@@ -3381,6 +5548,854 @@
   <p:clrMapOvr>
     <a:masterClrMapping/>
   </p:clrMapOvr>
+</p:sld>
+</file>
+
+<file path=ppt/slides/slide10.xml><?xml version="1.0" encoding="utf-8"?>
+<p:sld xmlns:a="http://schemas.openxmlformats.org/drawingml/2006/main" xmlns:r="http://schemas.openxmlformats.org/officeDocument/2006/relationships" xmlns:p="http://schemas.openxmlformats.org/presentationml/2006/main">
+  <p:cSld>
+    <p:bg>
+      <p:bgPr>
+        <a:solidFill>
+          <a:srgbClr val="7A001D"/>
+        </a:solidFill>
+        <a:effectLst/>
+      </p:bgPr>
+    </p:bg>
+    <p:spTree>
+      <p:nvGrpSpPr>
+        <p:cNvPr id="1" name="">
+          <a:extLst>
+            <a:ext uri="{FF2B5EF4-FFF2-40B4-BE49-F238E27FC236}">
+              <a16:creationId xmlns:a16="http://schemas.microsoft.com/office/drawing/2014/main" id="{1E98B078-AC69-5C98-7517-7EAF86D6934F}"/>
+            </a:ext>
+          </a:extLst>
+        </p:cNvPr>
+        <p:cNvGrpSpPr/>
+        <p:nvPr/>
+      </p:nvGrpSpPr>
+      <p:grpSpPr>
+        <a:xfrm>
+          <a:off x="0" y="0"/>
+          <a:ext cx="0" cy="0"/>
+          <a:chOff x="0" y="0"/>
+          <a:chExt cx="0" cy="0"/>
+        </a:xfrm>
+      </p:grpSpPr>
+      <p:pic>
+        <p:nvPicPr>
+          <p:cNvPr id="3" name="圖片 2" descr="一張含有 日本動畫, 卡通, 漫畫, 電腦繪圖藝術品 的圖片&#10;&#10;自動產生的描述">
+            <a:extLst>
+              <a:ext uri="{FF2B5EF4-FFF2-40B4-BE49-F238E27FC236}">
+                <a16:creationId xmlns:a16="http://schemas.microsoft.com/office/drawing/2014/main" id="{0F4365FF-8938-4D26-A1E2-2AAE48C1B32B}"/>
+              </a:ext>
+            </a:extLst>
+          </p:cNvPr>
+          <p:cNvPicPr>
+            <a:picLocks noChangeAspect="1"/>
+          </p:cNvPicPr>
+          <p:nvPr/>
+        </p:nvPicPr>
+        <p:blipFill>
+          <a:blip r:embed="rId3"/>
+          <a:stretch>
+            <a:fillRect/>
+          </a:stretch>
+        </p:blipFill>
+        <p:spPr>
+          <a:xfrm>
+            <a:off x="0" y="0"/>
+            <a:ext cx="6858000" cy="6858000"/>
+          </a:xfrm>
+          <a:prstGeom prst="rect">
+            <a:avLst/>
+          </a:prstGeom>
+        </p:spPr>
+      </p:pic>
+    </p:spTree>
+    <p:extLst>
+      <p:ext uri="{BB962C8B-B14F-4D97-AF65-F5344CB8AC3E}">
+        <p14:creationId xmlns:p14="http://schemas.microsoft.com/office/powerpoint/2010/main" val="125180961"/>
+      </p:ext>
+    </p:extLst>
+  </p:cSld>
+  <p:clrMapOvr>
+    <a:masterClrMapping/>
+  </p:clrMapOvr>
+  <mc:AlternateContent xmlns:mc="http://schemas.openxmlformats.org/markup-compatibility/2006" xmlns:p159="http://schemas.microsoft.com/office/powerpoint/2015/09/main">
+    <mc:Choice Requires="p159">
+      <p:transition xmlns:p14="http://schemas.microsoft.com/office/powerpoint/2010/main" spd="slow" p14:dur="2000">
+        <p159:morph option="byObject"/>
+      </p:transition>
+    </mc:Choice>
+    <mc:Fallback xmlns="">
+      <p:transition spd="slow">
+        <p:fade/>
+      </p:transition>
+    </mc:Fallback>
+  </mc:AlternateContent>
+</p:sld>
+</file>
+
+<file path=ppt/slides/slide11.xml><?xml version="1.0" encoding="utf-8"?>
+<p:sld xmlns:a="http://schemas.openxmlformats.org/drawingml/2006/main" xmlns:r="http://schemas.openxmlformats.org/officeDocument/2006/relationships" xmlns:p="http://schemas.openxmlformats.org/presentationml/2006/main">
+  <p:cSld>
+    <p:bg>
+      <p:bgPr>
+        <a:solidFill>
+          <a:srgbClr val="7A001D"/>
+        </a:solidFill>
+        <a:effectLst/>
+      </p:bgPr>
+    </p:bg>
+    <p:spTree>
+      <p:nvGrpSpPr>
+        <p:cNvPr id="1" name="">
+          <a:extLst>
+            <a:ext uri="{FF2B5EF4-FFF2-40B4-BE49-F238E27FC236}">
+              <a16:creationId xmlns:a16="http://schemas.microsoft.com/office/drawing/2014/main" id="{8BBE89C6-08D9-C5F4-1632-857EDA7A6401}"/>
+            </a:ext>
+          </a:extLst>
+        </p:cNvPr>
+        <p:cNvGrpSpPr/>
+        <p:nvPr/>
+      </p:nvGrpSpPr>
+      <p:grpSpPr>
+        <a:xfrm>
+          <a:off x="0" y="0"/>
+          <a:ext cx="0" cy="0"/>
+          <a:chOff x="0" y="0"/>
+          <a:chExt cx="0" cy="0"/>
+        </a:xfrm>
+      </p:grpSpPr>
+      <p:pic>
+        <p:nvPicPr>
+          <p:cNvPr id="3" name="圖片 2" descr="一張含有 日本動畫, 卡通, 虛構角色, 漫畫 的圖片&#10;&#10;自動產生的描述">
+            <a:extLst>
+              <a:ext uri="{FF2B5EF4-FFF2-40B4-BE49-F238E27FC236}">
+                <a16:creationId xmlns:a16="http://schemas.microsoft.com/office/drawing/2014/main" id="{F63BE6C4-8CA4-669C-02E6-A64B798B783C}"/>
+              </a:ext>
+            </a:extLst>
+          </p:cNvPr>
+          <p:cNvPicPr>
+            <a:picLocks noChangeAspect="1"/>
+          </p:cNvPicPr>
+          <p:nvPr/>
+        </p:nvPicPr>
+        <p:blipFill>
+          <a:blip r:embed="rId3"/>
+          <a:stretch>
+            <a:fillRect/>
+          </a:stretch>
+        </p:blipFill>
+        <p:spPr>
+          <a:xfrm>
+            <a:off x="0" y="0"/>
+            <a:ext cx="6858000" cy="6858000"/>
+          </a:xfrm>
+          <a:prstGeom prst="rect">
+            <a:avLst/>
+          </a:prstGeom>
+        </p:spPr>
+      </p:pic>
+    </p:spTree>
+    <p:extLst>
+      <p:ext uri="{BB962C8B-B14F-4D97-AF65-F5344CB8AC3E}">
+        <p14:creationId xmlns:p14="http://schemas.microsoft.com/office/powerpoint/2010/main" val="4292456238"/>
+      </p:ext>
+    </p:extLst>
+  </p:cSld>
+  <p:clrMapOvr>
+    <a:masterClrMapping/>
+  </p:clrMapOvr>
+  <mc:AlternateContent xmlns:mc="http://schemas.openxmlformats.org/markup-compatibility/2006" xmlns:p159="http://schemas.microsoft.com/office/powerpoint/2015/09/main">
+    <mc:Choice Requires="p159">
+      <p:transition xmlns:p14="http://schemas.microsoft.com/office/powerpoint/2010/main" spd="slow" p14:dur="2000">
+        <p159:morph option="byObject"/>
+      </p:transition>
+    </mc:Choice>
+    <mc:Fallback xmlns="">
+      <p:transition spd="slow">
+        <p:fade/>
+      </p:transition>
+    </mc:Fallback>
+  </mc:AlternateContent>
+</p:sld>
+</file>
+
+<file path=ppt/slides/slide2.xml><?xml version="1.0" encoding="utf-8"?>
+<p:sld xmlns:a="http://schemas.openxmlformats.org/drawingml/2006/main" xmlns:r="http://schemas.openxmlformats.org/officeDocument/2006/relationships" xmlns:p="http://schemas.openxmlformats.org/presentationml/2006/main">
+  <p:cSld>
+    <p:bg>
+      <p:bgPr>
+        <a:solidFill>
+          <a:srgbClr val="7A001D"/>
+        </a:solidFill>
+        <a:effectLst/>
+      </p:bgPr>
+    </p:bg>
+    <p:spTree>
+      <p:nvGrpSpPr>
+        <p:cNvPr id="1" name=""/>
+        <p:cNvGrpSpPr/>
+        <p:nvPr/>
+      </p:nvGrpSpPr>
+      <p:grpSpPr>
+        <a:xfrm>
+          <a:off x="0" y="0"/>
+          <a:ext cx="0" cy="0"/>
+          <a:chOff x="0" y="0"/>
+          <a:chExt cx="0" cy="0"/>
+        </a:xfrm>
+      </p:grpSpPr>
+      <p:pic>
+        <p:nvPicPr>
+          <p:cNvPr id="11" name="圖片 10" descr="一張含有 服裝, 日本動畫, 卡通, 人的臉孔 的圖片&#10;&#10;自動產生的描述">
+            <a:extLst>
+              <a:ext uri="{FF2B5EF4-FFF2-40B4-BE49-F238E27FC236}">
+                <a16:creationId xmlns:a16="http://schemas.microsoft.com/office/drawing/2014/main" id="{ABCC3DC1-0F50-6EB8-C641-D2A99DF4B717}"/>
+              </a:ext>
+            </a:extLst>
+          </p:cNvPr>
+          <p:cNvPicPr>
+            <a:picLocks noChangeAspect="1"/>
+          </p:cNvPicPr>
+          <p:nvPr/>
+        </p:nvPicPr>
+        <p:blipFill>
+          <a:blip r:embed="rId3"/>
+          <a:stretch>
+            <a:fillRect/>
+          </a:stretch>
+        </p:blipFill>
+        <p:spPr>
+          <a:xfrm>
+            <a:off x="-87284" y="0"/>
+            <a:ext cx="6858000" cy="6858000"/>
+          </a:xfrm>
+          <a:prstGeom prst="rect">
+            <a:avLst/>
+          </a:prstGeom>
+        </p:spPr>
+      </p:pic>
+    </p:spTree>
+    <p:extLst>
+      <p:ext uri="{BB962C8B-B14F-4D97-AF65-F5344CB8AC3E}">
+        <p14:creationId xmlns:p14="http://schemas.microsoft.com/office/powerpoint/2010/main" val="3704817771"/>
+      </p:ext>
+    </p:extLst>
+  </p:cSld>
+  <p:clrMapOvr>
+    <a:masterClrMapping/>
+  </p:clrMapOvr>
+  <mc:AlternateContent xmlns:mc="http://schemas.openxmlformats.org/markup-compatibility/2006" xmlns:p159="http://schemas.microsoft.com/office/powerpoint/2015/09/main">
+    <mc:Choice Requires="p159">
+      <p:transition xmlns:p14="http://schemas.microsoft.com/office/powerpoint/2010/main" spd="slow" p14:dur="2000">
+        <p159:morph option="byObject"/>
+      </p:transition>
+    </mc:Choice>
+    <mc:Fallback xmlns="">
+      <p:transition spd="slow">
+        <p:fade/>
+      </p:transition>
+    </mc:Fallback>
+  </mc:AlternateContent>
+</p:sld>
+</file>
+
+<file path=ppt/slides/slide3.xml><?xml version="1.0" encoding="utf-8"?>
+<p:sld xmlns:a="http://schemas.openxmlformats.org/drawingml/2006/main" xmlns:r="http://schemas.openxmlformats.org/officeDocument/2006/relationships" xmlns:p="http://schemas.openxmlformats.org/presentationml/2006/main">
+  <p:cSld>
+    <p:bg>
+      <p:bgPr>
+        <a:solidFill>
+          <a:srgbClr val="7A001D"/>
+        </a:solidFill>
+        <a:effectLst/>
+      </p:bgPr>
+    </p:bg>
+    <p:spTree>
+      <p:nvGrpSpPr>
+        <p:cNvPr id="1" name=""/>
+        <p:cNvGrpSpPr/>
+        <p:nvPr/>
+      </p:nvGrpSpPr>
+      <p:grpSpPr>
+        <a:xfrm>
+          <a:off x="0" y="0"/>
+          <a:ext cx="0" cy="0"/>
+          <a:chOff x="0" y="0"/>
+          <a:chExt cx="0" cy="0"/>
+        </a:xfrm>
+      </p:grpSpPr>
+      <p:pic>
+        <p:nvPicPr>
+          <p:cNvPr id="9" name="圖片 8" descr="一張含有 服裝, 日本動畫, 圖書, 卡通 的圖片&#10;&#10;自動產生的描述">
+            <a:extLst>
+              <a:ext uri="{FF2B5EF4-FFF2-40B4-BE49-F238E27FC236}">
+                <a16:creationId xmlns:a16="http://schemas.microsoft.com/office/drawing/2014/main" id="{8A15D7D0-EE72-7B05-9F81-DF74056AB965}"/>
+              </a:ext>
+            </a:extLst>
+          </p:cNvPr>
+          <p:cNvPicPr>
+            <a:picLocks noChangeAspect="1"/>
+          </p:cNvPicPr>
+          <p:nvPr/>
+        </p:nvPicPr>
+        <p:blipFill>
+          <a:blip r:embed="rId3"/>
+          <a:stretch>
+            <a:fillRect/>
+          </a:stretch>
+        </p:blipFill>
+        <p:spPr>
+          <a:xfrm>
+            <a:off x="0" y="0"/>
+            <a:ext cx="6858000" cy="6858000"/>
+          </a:xfrm>
+          <a:prstGeom prst="rect">
+            <a:avLst/>
+          </a:prstGeom>
+        </p:spPr>
+      </p:pic>
+    </p:spTree>
+    <p:extLst>
+      <p:ext uri="{BB962C8B-B14F-4D97-AF65-F5344CB8AC3E}">
+        <p14:creationId xmlns:p14="http://schemas.microsoft.com/office/powerpoint/2010/main" val="886023224"/>
+      </p:ext>
+    </p:extLst>
+  </p:cSld>
+  <p:clrMapOvr>
+    <a:masterClrMapping/>
+  </p:clrMapOvr>
+  <mc:AlternateContent xmlns:mc="http://schemas.openxmlformats.org/markup-compatibility/2006" xmlns:p159="http://schemas.microsoft.com/office/powerpoint/2015/09/main">
+    <mc:Choice Requires="p159">
+      <p:transition xmlns:p14="http://schemas.microsoft.com/office/powerpoint/2010/main" spd="slow" p14:dur="2000">
+        <p159:morph option="byObject"/>
+      </p:transition>
+    </mc:Choice>
+    <mc:Fallback xmlns="">
+      <p:transition spd="slow">
+        <p:fade/>
+      </p:transition>
+    </mc:Fallback>
+  </mc:AlternateContent>
+</p:sld>
+</file>
+
+<file path=ppt/slides/slide4.xml><?xml version="1.0" encoding="utf-8"?>
+<p:sld xmlns:a="http://schemas.openxmlformats.org/drawingml/2006/main" xmlns:r="http://schemas.openxmlformats.org/officeDocument/2006/relationships" xmlns:p="http://schemas.openxmlformats.org/presentationml/2006/main">
+  <p:cSld>
+    <p:bg>
+      <p:bgPr>
+        <a:solidFill>
+          <a:srgbClr val="7A001D"/>
+        </a:solidFill>
+        <a:effectLst/>
+      </p:bgPr>
+    </p:bg>
+    <p:spTree>
+      <p:nvGrpSpPr>
+        <p:cNvPr id="1" name="">
+          <a:extLst>
+            <a:ext uri="{FF2B5EF4-FFF2-40B4-BE49-F238E27FC236}">
+              <a16:creationId xmlns:a16="http://schemas.microsoft.com/office/drawing/2014/main" id="{BBCB0FA2-2144-8FBF-1658-3B0ED7DC52CC}"/>
+            </a:ext>
+          </a:extLst>
+        </p:cNvPr>
+        <p:cNvGrpSpPr/>
+        <p:nvPr/>
+      </p:nvGrpSpPr>
+      <p:grpSpPr>
+        <a:xfrm>
+          <a:off x="0" y="0"/>
+          <a:ext cx="0" cy="0"/>
+          <a:chOff x="0" y="0"/>
+          <a:chExt cx="0" cy="0"/>
+        </a:xfrm>
+      </p:grpSpPr>
+      <p:pic>
+        <p:nvPicPr>
+          <p:cNvPr id="3" name="圖片 2" descr="一張含有 日本動畫, 卡通, 人的臉孔, 服裝 的圖片&#10;&#10;自動產生的描述">
+            <a:extLst>
+              <a:ext uri="{FF2B5EF4-FFF2-40B4-BE49-F238E27FC236}">
+                <a16:creationId xmlns:a16="http://schemas.microsoft.com/office/drawing/2014/main" id="{55FE1554-A037-69C7-EF92-957BB3ADB7E6}"/>
+              </a:ext>
+            </a:extLst>
+          </p:cNvPr>
+          <p:cNvPicPr>
+            <a:picLocks noChangeAspect="1"/>
+          </p:cNvPicPr>
+          <p:nvPr/>
+        </p:nvPicPr>
+        <p:blipFill>
+          <a:blip r:embed="rId3"/>
+          <a:stretch>
+            <a:fillRect/>
+          </a:stretch>
+        </p:blipFill>
+        <p:spPr>
+          <a:xfrm>
+            <a:off x="0" y="0"/>
+            <a:ext cx="6858000" cy="6858000"/>
+          </a:xfrm>
+          <a:prstGeom prst="rect">
+            <a:avLst/>
+          </a:prstGeom>
+        </p:spPr>
+      </p:pic>
+    </p:spTree>
+    <p:extLst>
+      <p:ext uri="{BB962C8B-B14F-4D97-AF65-F5344CB8AC3E}">
+        <p14:creationId xmlns:p14="http://schemas.microsoft.com/office/powerpoint/2010/main" val="1445469097"/>
+      </p:ext>
+    </p:extLst>
+  </p:cSld>
+  <p:clrMapOvr>
+    <a:masterClrMapping/>
+  </p:clrMapOvr>
+  <mc:AlternateContent xmlns:mc="http://schemas.openxmlformats.org/markup-compatibility/2006" xmlns:p159="http://schemas.microsoft.com/office/powerpoint/2015/09/main">
+    <mc:Choice Requires="p159">
+      <p:transition xmlns:p14="http://schemas.microsoft.com/office/powerpoint/2010/main" spd="slow" p14:dur="2000">
+        <p159:morph option="byObject"/>
+      </p:transition>
+    </mc:Choice>
+    <mc:Fallback xmlns="">
+      <p:transition spd="slow">
+        <p:fade/>
+      </p:transition>
+    </mc:Fallback>
+  </mc:AlternateContent>
+</p:sld>
+</file>
+
+<file path=ppt/slides/slide5.xml><?xml version="1.0" encoding="utf-8"?>
+<p:sld xmlns:a="http://schemas.openxmlformats.org/drawingml/2006/main" xmlns:r="http://schemas.openxmlformats.org/officeDocument/2006/relationships" xmlns:p="http://schemas.openxmlformats.org/presentationml/2006/main">
+  <p:cSld>
+    <p:bg>
+      <p:bgPr>
+        <a:solidFill>
+          <a:srgbClr val="7A001D"/>
+        </a:solidFill>
+        <a:effectLst/>
+      </p:bgPr>
+    </p:bg>
+    <p:spTree>
+      <p:nvGrpSpPr>
+        <p:cNvPr id="1" name="">
+          <a:extLst>
+            <a:ext uri="{FF2B5EF4-FFF2-40B4-BE49-F238E27FC236}">
+              <a16:creationId xmlns:a16="http://schemas.microsoft.com/office/drawing/2014/main" id="{D56615FC-6151-9C92-628A-39D8EA02EFD3}"/>
+            </a:ext>
+          </a:extLst>
+        </p:cNvPr>
+        <p:cNvGrpSpPr/>
+        <p:nvPr/>
+      </p:nvGrpSpPr>
+      <p:grpSpPr>
+        <a:xfrm>
+          <a:off x="0" y="0"/>
+          <a:ext cx="0" cy="0"/>
+          <a:chOff x="0" y="0"/>
+          <a:chExt cx="0" cy="0"/>
+        </a:xfrm>
+      </p:grpSpPr>
+      <p:pic>
+        <p:nvPicPr>
+          <p:cNvPr id="3" name="圖片 2" descr="一張含有 日本動畫, 卡通, 車, 虛構角色 的圖片&#10;&#10;自動產生的描述">
+            <a:extLst>
+              <a:ext uri="{FF2B5EF4-FFF2-40B4-BE49-F238E27FC236}">
+                <a16:creationId xmlns:a16="http://schemas.microsoft.com/office/drawing/2014/main" id="{3D89CEEC-0C2F-1472-EF78-E549B0C2D212}"/>
+              </a:ext>
+            </a:extLst>
+          </p:cNvPr>
+          <p:cNvPicPr>
+            <a:picLocks noChangeAspect="1"/>
+          </p:cNvPicPr>
+          <p:nvPr/>
+        </p:nvPicPr>
+        <p:blipFill>
+          <a:blip r:embed="rId3"/>
+          <a:stretch>
+            <a:fillRect/>
+          </a:stretch>
+        </p:blipFill>
+        <p:spPr>
+          <a:xfrm>
+            <a:off x="-48491" y="0"/>
+            <a:ext cx="6858000" cy="6858000"/>
+          </a:xfrm>
+          <a:prstGeom prst="rect">
+            <a:avLst/>
+          </a:prstGeom>
+        </p:spPr>
+      </p:pic>
+    </p:spTree>
+    <p:extLst>
+      <p:ext uri="{BB962C8B-B14F-4D97-AF65-F5344CB8AC3E}">
+        <p14:creationId xmlns:p14="http://schemas.microsoft.com/office/powerpoint/2010/main" val="3941195216"/>
+      </p:ext>
+    </p:extLst>
+  </p:cSld>
+  <p:clrMapOvr>
+    <a:masterClrMapping/>
+  </p:clrMapOvr>
+  <mc:AlternateContent xmlns:mc="http://schemas.openxmlformats.org/markup-compatibility/2006" xmlns:p159="http://schemas.microsoft.com/office/powerpoint/2015/09/main">
+    <mc:Choice Requires="p159">
+      <p:transition xmlns:p14="http://schemas.microsoft.com/office/powerpoint/2010/main" spd="slow" p14:dur="2000">
+        <p159:morph option="byObject"/>
+      </p:transition>
+    </mc:Choice>
+    <mc:Fallback xmlns="">
+      <p:transition spd="slow">
+        <p:fade/>
+      </p:transition>
+    </mc:Fallback>
+  </mc:AlternateContent>
+</p:sld>
+</file>
+
+<file path=ppt/slides/slide6.xml><?xml version="1.0" encoding="utf-8"?>
+<p:sld xmlns:a="http://schemas.openxmlformats.org/drawingml/2006/main" xmlns:r="http://schemas.openxmlformats.org/officeDocument/2006/relationships" xmlns:p="http://schemas.openxmlformats.org/presentationml/2006/main">
+  <p:cSld>
+    <p:bg>
+      <p:bgPr>
+        <a:solidFill>
+          <a:srgbClr val="7A001D"/>
+        </a:solidFill>
+        <a:effectLst/>
+      </p:bgPr>
+    </p:bg>
+    <p:spTree>
+      <p:nvGrpSpPr>
+        <p:cNvPr id="1" name="">
+          <a:extLst>
+            <a:ext uri="{FF2B5EF4-FFF2-40B4-BE49-F238E27FC236}">
+              <a16:creationId xmlns:a16="http://schemas.microsoft.com/office/drawing/2014/main" id="{2EF16CD1-BF6D-5906-1E09-B21EBE6CC19D}"/>
+            </a:ext>
+          </a:extLst>
+        </p:cNvPr>
+        <p:cNvGrpSpPr/>
+        <p:nvPr/>
+      </p:nvGrpSpPr>
+      <p:grpSpPr>
+        <a:xfrm>
+          <a:off x="0" y="0"/>
+          <a:ext cx="0" cy="0"/>
+          <a:chOff x="0" y="0"/>
+          <a:chExt cx="0" cy="0"/>
+        </a:xfrm>
+      </p:grpSpPr>
+      <p:pic>
+        <p:nvPicPr>
+          <p:cNvPr id="3" name="圖片 2" descr="一張含有 日本動畫, 服裝, 人員, 卡通 的圖片&#10;&#10;自動產生的描述">
+            <a:extLst>
+              <a:ext uri="{FF2B5EF4-FFF2-40B4-BE49-F238E27FC236}">
+                <a16:creationId xmlns:a16="http://schemas.microsoft.com/office/drawing/2014/main" id="{21163225-AEF4-2D02-053D-7739524B608E}"/>
+              </a:ext>
+            </a:extLst>
+          </p:cNvPr>
+          <p:cNvPicPr>
+            <a:picLocks noChangeAspect="1"/>
+          </p:cNvPicPr>
+          <p:nvPr/>
+        </p:nvPicPr>
+        <p:blipFill>
+          <a:blip r:embed="rId3"/>
+          <a:stretch>
+            <a:fillRect/>
+          </a:stretch>
+        </p:blipFill>
+        <p:spPr>
+          <a:xfrm>
+            <a:off x="0" y="0"/>
+            <a:ext cx="6858000" cy="6858000"/>
+          </a:xfrm>
+          <a:prstGeom prst="rect">
+            <a:avLst/>
+          </a:prstGeom>
+        </p:spPr>
+      </p:pic>
+    </p:spTree>
+    <p:extLst>
+      <p:ext uri="{BB962C8B-B14F-4D97-AF65-F5344CB8AC3E}">
+        <p14:creationId xmlns:p14="http://schemas.microsoft.com/office/powerpoint/2010/main" val="1474406682"/>
+      </p:ext>
+    </p:extLst>
+  </p:cSld>
+  <p:clrMapOvr>
+    <a:masterClrMapping/>
+  </p:clrMapOvr>
+  <mc:AlternateContent xmlns:mc="http://schemas.openxmlformats.org/markup-compatibility/2006" xmlns:p159="http://schemas.microsoft.com/office/powerpoint/2015/09/main">
+    <mc:Choice Requires="p159">
+      <p:transition xmlns:p14="http://schemas.microsoft.com/office/powerpoint/2010/main" spd="slow" p14:dur="2000">
+        <p159:morph option="byObject"/>
+      </p:transition>
+    </mc:Choice>
+    <mc:Fallback xmlns="">
+      <p:transition spd="slow">
+        <p:fade/>
+      </p:transition>
+    </mc:Fallback>
+  </mc:AlternateContent>
+</p:sld>
+</file>
+
+<file path=ppt/slides/slide7.xml><?xml version="1.0" encoding="utf-8"?>
+<p:sld xmlns:a="http://schemas.openxmlformats.org/drawingml/2006/main" xmlns:r="http://schemas.openxmlformats.org/officeDocument/2006/relationships" xmlns:p="http://schemas.openxmlformats.org/presentationml/2006/main">
+  <p:cSld>
+    <p:bg>
+      <p:bgPr>
+        <a:solidFill>
+          <a:srgbClr val="7A001D"/>
+        </a:solidFill>
+        <a:effectLst/>
+      </p:bgPr>
+    </p:bg>
+    <p:spTree>
+      <p:nvGrpSpPr>
+        <p:cNvPr id="1" name="">
+          <a:extLst>
+            <a:ext uri="{FF2B5EF4-FFF2-40B4-BE49-F238E27FC236}">
+              <a16:creationId xmlns:a16="http://schemas.microsoft.com/office/drawing/2014/main" id="{CCAD132B-5B32-DCD0-CD91-C88529A8FB78}"/>
+            </a:ext>
+          </a:extLst>
+        </p:cNvPr>
+        <p:cNvGrpSpPr/>
+        <p:nvPr/>
+      </p:nvGrpSpPr>
+      <p:grpSpPr>
+        <a:xfrm>
+          <a:off x="0" y="0"/>
+          <a:ext cx="0" cy="0"/>
+          <a:chOff x="0" y="0"/>
+          <a:chExt cx="0" cy="0"/>
+        </a:xfrm>
+      </p:grpSpPr>
+      <p:pic>
+        <p:nvPicPr>
+          <p:cNvPr id="3" name="圖片 2" descr="一張含有 日本動畫, 卡通, 人的臉孔, 漫畫 的圖片&#10;&#10;自動產生的描述">
+            <a:extLst>
+              <a:ext uri="{FF2B5EF4-FFF2-40B4-BE49-F238E27FC236}">
+                <a16:creationId xmlns:a16="http://schemas.microsoft.com/office/drawing/2014/main" id="{8AEB83CC-3625-5E9E-48F9-523927328A94}"/>
+              </a:ext>
+            </a:extLst>
+          </p:cNvPr>
+          <p:cNvPicPr>
+            <a:picLocks noChangeAspect="1"/>
+          </p:cNvPicPr>
+          <p:nvPr/>
+        </p:nvPicPr>
+        <p:blipFill>
+          <a:blip r:embed="rId3"/>
+          <a:stretch>
+            <a:fillRect/>
+          </a:stretch>
+        </p:blipFill>
+        <p:spPr>
+          <a:xfrm>
+            <a:off x="-59575" y="0"/>
+            <a:ext cx="6858000" cy="6858000"/>
+          </a:xfrm>
+          <a:prstGeom prst="rect">
+            <a:avLst/>
+          </a:prstGeom>
+        </p:spPr>
+      </p:pic>
+    </p:spTree>
+    <p:extLst>
+      <p:ext uri="{BB962C8B-B14F-4D97-AF65-F5344CB8AC3E}">
+        <p14:creationId xmlns:p14="http://schemas.microsoft.com/office/powerpoint/2010/main" val="3941192625"/>
+      </p:ext>
+    </p:extLst>
+  </p:cSld>
+  <p:clrMapOvr>
+    <a:masterClrMapping/>
+  </p:clrMapOvr>
+  <mc:AlternateContent xmlns:mc="http://schemas.openxmlformats.org/markup-compatibility/2006" xmlns:p159="http://schemas.microsoft.com/office/powerpoint/2015/09/main">
+    <mc:Choice Requires="p159">
+      <p:transition xmlns:p14="http://schemas.microsoft.com/office/powerpoint/2010/main" spd="slow" p14:dur="2000">
+        <p159:morph option="byObject"/>
+      </p:transition>
+    </mc:Choice>
+    <mc:Fallback xmlns="">
+      <p:transition spd="slow">
+        <p:fade/>
+      </p:transition>
+    </mc:Fallback>
+  </mc:AlternateContent>
+</p:sld>
+</file>
+
+<file path=ppt/slides/slide8.xml><?xml version="1.0" encoding="utf-8"?>
+<p:sld xmlns:a="http://schemas.openxmlformats.org/drawingml/2006/main" xmlns:r="http://schemas.openxmlformats.org/officeDocument/2006/relationships" xmlns:p="http://schemas.openxmlformats.org/presentationml/2006/main">
+  <p:cSld>
+    <p:bg>
+      <p:bgPr>
+        <a:solidFill>
+          <a:srgbClr val="7A001D"/>
+        </a:solidFill>
+        <a:effectLst/>
+      </p:bgPr>
+    </p:bg>
+    <p:spTree>
+      <p:nvGrpSpPr>
+        <p:cNvPr id="1" name="">
+          <a:extLst>
+            <a:ext uri="{FF2B5EF4-FFF2-40B4-BE49-F238E27FC236}">
+              <a16:creationId xmlns:a16="http://schemas.microsoft.com/office/drawing/2014/main" id="{8EAFC42F-43FD-6CAA-FC21-E2DAF3DA021F}"/>
+            </a:ext>
+          </a:extLst>
+        </p:cNvPr>
+        <p:cNvGrpSpPr/>
+        <p:nvPr/>
+      </p:nvGrpSpPr>
+      <p:grpSpPr>
+        <a:xfrm>
+          <a:off x="0" y="0"/>
+          <a:ext cx="0" cy="0"/>
+          <a:chOff x="0" y="0"/>
+          <a:chExt cx="0" cy="0"/>
+        </a:xfrm>
+      </p:grpSpPr>
+      <p:pic>
+        <p:nvPicPr>
+          <p:cNvPr id="3" name="圖片 2" descr="一張含有 日本動畫, 卡通, 電腦繪圖藝術品, 漫畫 的圖片&#10;&#10;自動產生的描述">
+            <a:extLst>
+              <a:ext uri="{FF2B5EF4-FFF2-40B4-BE49-F238E27FC236}">
+                <a16:creationId xmlns:a16="http://schemas.microsoft.com/office/drawing/2014/main" id="{403ABEC3-9A12-7C40-A1B8-02B6FB828A08}"/>
+              </a:ext>
+            </a:extLst>
+          </p:cNvPr>
+          <p:cNvPicPr>
+            <a:picLocks noChangeAspect="1"/>
+          </p:cNvPicPr>
+          <p:nvPr/>
+        </p:nvPicPr>
+        <p:blipFill>
+          <a:blip r:embed="rId3"/>
+          <a:stretch>
+            <a:fillRect/>
+          </a:stretch>
+        </p:blipFill>
+        <p:spPr>
+          <a:xfrm>
+            <a:off x="0" y="0"/>
+            <a:ext cx="6858000" cy="6858000"/>
+          </a:xfrm>
+          <a:prstGeom prst="rect">
+            <a:avLst/>
+          </a:prstGeom>
+        </p:spPr>
+      </p:pic>
+    </p:spTree>
+    <p:extLst>
+      <p:ext uri="{BB962C8B-B14F-4D97-AF65-F5344CB8AC3E}">
+        <p14:creationId xmlns:p14="http://schemas.microsoft.com/office/powerpoint/2010/main" val="897657077"/>
+      </p:ext>
+    </p:extLst>
+  </p:cSld>
+  <p:clrMapOvr>
+    <a:masterClrMapping/>
+  </p:clrMapOvr>
+  <mc:AlternateContent xmlns:mc="http://schemas.openxmlformats.org/markup-compatibility/2006" xmlns:p159="http://schemas.microsoft.com/office/powerpoint/2015/09/main">
+    <mc:Choice Requires="p159">
+      <p:transition xmlns:p14="http://schemas.microsoft.com/office/powerpoint/2010/main" spd="slow" p14:dur="2000">
+        <p159:morph option="byObject"/>
+      </p:transition>
+    </mc:Choice>
+    <mc:Fallback xmlns="">
+      <p:transition spd="slow">
+        <p:fade/>
+      </p:transition>
+    </mc:Fallback>
+  </mc:AlternateContent>
+</p:sld>
+</file>
+
+<file path=ppt/slides/slide9.xml><?xml version="1.0" encoding="utf-8"?>
+<p:sld xmlns:a="http://schemas.openxmlformats.org/drawingml/2006/main" xmlns:r="http://schemas.openxmlformats.org/officeDocument/2006/relationships" xmlns:p="http://schemas.openxmlformats.org/presentationml/2006/main">
+  <p:cSld>
+    <p:bg>
+      <p:bgPr>
+        <a:solidFill>
+          <a:srgbClr val="7A001D"/>
+        </a:solidFill>
+        <a:effectLst/>
+      </p:bgPr>
+    </p:bg>
+    <p:spTree>
+      <p:nvGrpSpPr>
+        <p:cNvPr id="1" name="">
+          <a:extLst>
+            <a:ext uri="{FF2B5EF4-FFF2-40B4-BE49-F238E27FC236}">
+              <a16:creationId xmlns:a16="http://schemas.microsoft.com/office/drawing/2014/main" id="{26B1964F-2B60-3591-B824-B197EE2EB972}"/>
+            </a:ext>
+          </a:extLst>
+        </p:cNvPr>
+        <p:cNvGrpSpPr/>
+        <p:nvPr/>
+      </p:nvGrpSpPr>
+      <p:grpSpPr>
+        <a:xfrm>
+          <a:off x="0" y="0"/>
+          <a:ext cx="0" cy="0"/>
+          <a:chOff x="0" y="0"/>
+          <a:chExt cx="0" cy="0"/>
+        </a:xfrm>
+      </p:grpSpPr>
+      <p:pic>
+        <p:nvPicPr>
+          <p:cNvPr id="3" name="圖片 2" descr="一張含有 日本動畫, 卡通, 漫畫, 電腦繪圖藝術品 的圖片&#10;&#10;自動產生的描述">
+            <a:extLst>
+              <a:ext uri="{FF2B5EF4-FFF2-40B4-BE49-F238E27FC236}">
+                <a16:creationId xmlns:a16="http://schemas.microsoft.com/office/drawing/2014/main" id="{A81F2EDB-1F33-C869-C1CE-FE169B5B586E}"/>
+              </a:ext>
+            </a:extLst>
+          </p:cNvPr>
+          <p:cNvPicPr>
+            <a:picLocks noChangeAspect="1"/>
+          </p:cNvPicPr>
+          <p:nvPr/>
+        </p:nvPicPr>
+        <p:blipFill>
+          <a:blip r:embed="rId3"/>
+          <a:stretch>
+            <a:fillRect/>
+          </a:stretch>
+        </p:blipFill>
+        <p:spPr>
+          <a:xfrm>
+            <a:off x="0" y="0"/>
+            <a:ext cx="6858000" cy="6858000"/>
+          </a:xfrm>
+          <a:prstGeom prst="rect">
+            <a:avLst/>
+          </a:prstGeom>
+        </p:spPr>
+      </p:pic>
+    </p:spTree>
+    <p:extLst>
+      <p:ext uri="{BB962C8B-B14F-4D97-AF65-F5344CB8AC3E}">
+        <p14:creationId xmlns:p14="http://schemas.microsoft.com/office/powerpoint/2010/main" val="1480757673"/>
+      </p:ext>
+    </p:extLst>
+  </p:cSld>
+  <p:clrMapOvr>
+    <a:masterClrMapping/>
+  </p:clrMapOvr>
+  <mc:AlternateContent xmlns:mc="http://schemas.openxmlformats.org/markup-compatibility/2006" xmlns:p159="http://schemas.microsoft.com/office/powerpoint/2015/09/main">
+    <mc:Choice Requires="p159">
+      <p:transition xmlns:p14="http://schemas.microsoft.com/office/powerpoint/2010/main" spd="slow" p14:dur="2000">
+        <p159:morph option="byObject"/>
+      </p:transition>
+    </mc:Choice>
+    <mc:Fallback xmlns="">
+      <p:transition spd="slow">
+        <p:fade/>
+      </p:transition>
+    </mc:Fallback>
+  </mc:AlternateContent>
 </p:sld>
 </file>
 
@@ -3677,4 +6692,319 @@
     </a:ext>
   </a:extLst>
 </a:theme>
+</file>
+
+<file path=ppt/theme/theme2.xml><?xml version="1.0" encoding="utf-8"?>
+<a:theme xmlns:a="http://schemas.openxmlformats.org/drawingml/2006/main" name="Office 佈景主題">
+  <a:themeElements>
+    <a:clrScheme name="Office">
+      <a:dk1>
+        <a:sysClr val="windowText" lastClr="000000"/>
+      </a:dk1>
+      <a:lt1>
+        <a:sysClr val="window" lastClr="FFFFFF"/>
+      </a:lt1>
+      <a:dk2>
+        <a:srgbClr val="0E2841"/>
+      </a:dk2>
+      <a:lt2>
+        <a:srgbClr val="E8E8E8"/>
+      </a:lt2>
+      <a:accent1>
+        <a:srgbClr val="156082"/>
+      </a:accent1>
+      <a:accent2>
+        <a:srgbClr val="E97132"/>
+      </a:accent2>
+      <a:accent3>
+        <a:srgbClr val="196B24"/>
+      </a:accent3>
+      <a:accent4>
+        <a:srgbClr val="0F9ED5"/>
+      </a:accent4>
+      <a:accent5>
+        <a:srgbClr val="A02B93"/>
+      </a:accent5>
+      <a:accent6>
+        <a:srgbClr val="4EA72E"/>
+      </a:accent6>
+      <a:hlink>
+        <a:srgbClr val="467886"/>
+      </a:hlink>
+      <a:folHlink>
+        <a:srgbClr val="96607D"/>
+      </a:folHlink>
+    </a:clrScheme>
+    <a:fontScheme name="Office">
+      <a:majorFont>
+        <a:latin typeface="Aptos Display" panose="02110004020202020204"/>
+        <a:ea typeface=""/>
+        <a:cs typeface=""/>
+        <a:font script="Jpan" typeface="游ゴシック Light"/>
+        <a:font script="Hang" typeface="맑은 고딕"/>
+        <a:font script="Hans" typeface="等线 Light"/>
+        <a:font script="Hant" typeface="新細明體"/>
+        <a:font script="Arab" typeface="Times New Roman"/>
+        <a:font script="Hebr" typeface="Times New Roman"/>
+        <a:font script="Thai" typeface="Angsana New"/>
+        <a:font script="Ethi" typeface="Nyala"/>
+        <a:font script="Beng" typeface="Vrinda"/>
+        <a:font script="Gujr" typeface="Shruti"/>
+        <a:font script="Khmr" typeface="MoolBoran"/>
+        <a:font script="Knda" typeface="Tunga"/>
+        <a:font script="Guru" typeface="Raavi"/>
+        <a:font script="Cans" typeface="Euphemia"/>
+        <a:font script="Cher" typeface="Plantagenet Cherokee"/>
+        <a:font script="Yiii" typeface="Microsoft Yi Baiti"/>
+        <a:font script="Tibt" typeface="Microsoft Himalaya"/>
+        <a:font script="Thaa" typeface="MV Boli"/>
+        <a:font script="Deva" typeface="Mangal"/>
+        <a:font script="Telu" typeface="Gautami"/>
+        <a:font script="Taml" typeface="Latha"/>
+        <a:font script="Syrc" typeface="Estrangelo Edessa"/>
+        <a:font script="Orya" typeface="Kalinga"/>
+        <a:font script="Mlym" typeface="Kartika"/>
+        <a:font script="Laoo" typeface="DokChampa"/>
+        <a:font script="Sinh" typeface="Iskoola Pota"/>
+        <a:font script="Mong" typeface="Mongolian Baiti"/>
+        <a:font script="Viet" typeface="Times New Roman"/>
+        <a:font script="Uigh" typeface="Microsoft Uighur"/>
+        <a:font script="Geor" typeface="Sylfaen"/>
+        <a:font script="Armn" typeface="Arial"/>
+        <a:font script="Bugi" typeface="Leelawadee UI"/>
+        <a:font script="Bopo" typeface="Microsoft JhengHei"/>
+        <a:font script="Java" typeface="Javanese Text"/>
+        <a:font script="Lisu" typeface="Segoe UI"/>
+        <a:font script="Mymr" typeface="Myanmar Text"/>
+        <a:font script="Nkoo" typeface="Ebrima"/>
+        <a:font script="Olck" typeface="Nirmala UI"/>
+        <a:font script="Osma" typeface="Ebrima"/>
+        <a:font script="Phag" typeface="Phagspa"/>
+        <a:font script="Syrn" typeface="Estrangelo Edessa"/>
+        <a:font script="Syrj" typeface="Estrangelo Edessa"/>
+        <a:font script="Syre" typeface="Estrangelo Edessa"/>
+        <a:font script="Sora" typeface="Nirmala UI"/>
+        <a:font script="Tale" typeface="Microsoft Tai Le"/>
+        <a:font script="Talu" typeface="Microsoft New Tai Lue"/>
+        <a:font script="Tfng" typeface="Ebrima"/>
+      </a:majorFont>
+      <a:minorFont>
+        <a:latin typeface="Aptos" panose="02110004020202020204"/>
+        <a:ea typeface=""/>
+        <a:cs typeface=""/>
+        <a:font script="Jpan" typeface="游ゴシック"/>
+        <a:font script="Hang" typeface="맑은 고딕"/>
+        <a:font script="Hans" typeface="等线"/>
+        <a:font script="Hant" typeface="新細明體"/>
+        <a:font script="Arab" typeface="Arial"/>
+        <a:font script="Hebr" typeface="Arial"/>
+        <a:font script="Thai" typeface="Cordia New"/>
+        <a:font script="Ethi" typeface="Nyala"/>
+        <a:font script="Beng" typeface="Vrinda"/>
+        <a:font script="Gujr" typeface="Shruti"/>
+        <a:font script="Khmr" typeface="DaunPenh"/>
+        <a:font script="Knda" typeface="Tunga"/>
+        <a:font script="Guru" typeface="Raavi"/>
+        <a:font script="Cans" typeface="Euphemia"/>
+        <a:font script="Cher" typeface="Plantagenet Cherokee"/>
+        <a:font script="Yiii" typeface="Microsoft Yi Baiti"/>
+        <a:font script="Tibt" typeface="Microsoft Himalaya"/>
+        <a:font script="Thaa" typeface="MV Boli"/>
+        <a:font script="Deva" typeface="Mangal"/>
+        <a:font script="Telu" typeface="Gautami"/>
+        <a:font script="Taml" typeface="Latha"/>
+        <a:font script="Syrc" typeface="Estrangelo Edessa"/>
+        <a:font script="Orya" typeface="Kalinga"/>
+        <a:font script="Mlym" typeface="Kartika"/>
+        <a:font script="Laoo" typeface="DokChampa"/>
+        <a:font script="Sinh" typeface="Iskoola Pota"/>
+        <a:font script="Mong" typeface="Mongolian Baiti"/>
+        <a:font script="Viet" typeface="Arial"/>
+        <a:font script="Uigh" typeface="Microsoft Uighur"/>
+        <a:font script="Geor" typeface="Sylfaen"/>
+        <a:font script="Armn" typeface="Arial"/>
+        <a:font script="Bugi" typeface="Leelawadee UI"/>
+        <a:font script="Bopo" typeface="Microsoft JhengHei"/>
+        <a:font script="Java" typeface="Javanese Text"/>
+        <a:font script="Lisu" typeface="Segoe UI"/>
+        <a:font script="Mymr" typeface="Myanmar Text"/>
+        <a:font script="Nkoo" typeface="Ebrima"/>
+        <a:font script="Olck" typeface="Nirmala UI"/>
+        <a:font script="Osma" typeface="Ebrima"/>
+        <a:font script="Phag" typeface="Phagspa"/>
+        <a:font script="Syrn" typeface="Estrangelo Edessa"/>
+        <a:font script="Syrj" typeface="Estrangelo Edessa"/>
+        <a:font script="Syre" typeface="Estrangelo Edessa"/>
+        <a:font script="Sora" typeface="Nirmala UI"/>
+        <a:font script="Tale" typeface="Microsoft Tai Le"/>
+        <a:font script="Talu" typeface="Microsoft New Tai Lue"/>
+        <a:font script="Tfng" typeface="Ebrima"/>
+      </a:minorFont>
+    </a:fontScheme>
+    <a:fmtScheme name="Office">
+      <a:fillStyleLst>
+        <a:solidFill>
+          <a:schemeClr val="phClr"/>
+        </a:solidFill>
+        <a:gradFill rotWithShape="1">
+          <a:gsLst>
+            <a:gs pos="0">
+              <a:schemeClr val="phClr">
+                <a:lumMod val="110000"/>
+                <a:satMod val="105000"/>
+                <a:tint val="67000"/>
+              </a:schemeClr>
+            </a:gs>
+            <a:gs pos="50000">
+              <a:schemeClr val="phClr">
+                <a:lumMod val="105000"/>
+                <a:satMod val="103000"/>
+                <a:tint val="73000"/>
+              </a:schemeClr>
+            </a:gs>
+            <a:gs pos="100000">
+              <a:schemeClr val="phClr">
+                <a:lumMod val="105000"/>
+                <a:satMod val="109000"/>
+                <a:tint val="81000"/>
+              </a:schemeClr>
+            </a:gs>
+          </a:gsLst>
+          <a:lin ang="5400000" scaled="0"/>
+        </a:gradFill>
+        <a:gradFill rotWithShape="1">
+          <a:gsLst>
+            <a:gs pos="0">
+              <a:schemeClr val="phClr">
+                <a:satMod val="103000"/>
+                <a:lumMod val="102000"/>
+                <a:tint val="94000"/>
+              </a:schemeClr>
+            </a:gs>
+            <a:gs pos="50000">
+              <a:schemeClr val="phClr">
+                <a:satMod val="110000"/>
+                <a:lumMod val="100000"/>
+                <a:shade val="100000"/>
+              </a:schemeClr>
+            </a:gs>
+            <a:gs pos="100000">
+              <a:schemeClr val="phClr">
+                <a:lumMod val="99000"/>
+                <a:satMod val="120000"/>
+                <a:shade val="78000"/>
+              </a:schemeClr>
+            </a:gs>
+          </a:gsLst>
+          <a:lin ang="5400000" scaled="0"/>
+        </a:gradFill>
+      </a:fillStyleLst>
+      <a:lnStyleLst>
+        <a:ln w="12700" cap="flat" cmpd="sng" algn="ctr">
+          <a:solidFill>
+            <a:schemeClr val="phClr"/>
+          </a:solidFill>
+          <a:prstDash val="solid"/>
+          <a:miter lim="800000"/>
+        </a:ln>
+        <a:ln w="19050" cap="flat" cmpd="sng" algn="ctr">
+          <a:solidFill>
+            <a:schemeClr val="phClr"/>
+          </a:solidFill>
+          <a:prstDash val="solid"/>
+          <a:miter lim="800000"/>
+        </a:ln>
+        <a:ln w="25400" cap="flat" cmpd="sng" algn="ctr">
+          <a:solidFill>
+            <a:schemeClr val="phClr"/>
+          </a:solidFill>
+          <a:prstDash val="solid"/>
+          <a:miter lim="800000"/>
+        </a:ln>
+      </a:lnStyleLst>
+      <a:effectStyleLst>
+        <a:effectStyle>
+          <a:effectLst/>
+        </a:effectStyle>
+        <a:effectStyle>
+          <a:effectLst/>
+        </a:effectStyle>
+        <a:effectStyle>
+          <a:effectLst>
+            <a:outerShdw blurRad="57150" dist="19050" dir="5400000" algn="ctr" rotWithShape="0">
+              <a:srgbClr val="000000">
+                <a:alpha val="63000"/>
+              </a:srgbClr>
+            </a:outerShdw>
+          </a:effectLst>
+        </a:effectStyle>
+      </a:effectStyleLst>
+      <a:bgFillStyleLst>
+        <a:solidFill>
+          <a:schemeClr val="phClr"/>
+        </a:solidFill>
+        <a:solidFill>
+          <a:schemeClr val="phClr">
+            <a:tint val="95000"/>
+            <a:satMod val="170000"/>
+          </a:schemeClr>
+        </a:solidFill>
+        <a:gradFill rotWithShape="1">
+          <a:gsLst>
+            <a:gs pos="0">
+              <a:schemeClr val="phClr">
+                <a:tint val="93000"/>
+                <a:satMod val="150000"/>
+                <a:shade val="98000"/>
+                <a:lumMod val="102000"/>
+              </a:schemeClr>
+            </a:gs>
+            <a:gs pos="50000">
+              <a:schemeClr val="phClr">
+                <a:tint val="98000"/>
+                <a:satMod val="130000"/>
+                <a:shade val="90000"/>
+                <a:lumMod val="103000"/>
+              </a:schemeClr>
+            </a:gs>
+            <a:gs pos="100000">
+              <a:schemeClr val="phClr">
+                <a:shade val="63000"/>
+                <a:satMod val="120000"/>
+              </a:schemeClr>
+            </a:gs>
+          </a:gsLst>
+          <a:lin ang="5400000" scaled="0"/>
+        </a:gradFill>
+      </a:bgFillStyleLst>
+    </a:fmtScheme>
+  </a:themeElements>
+  <a:objectDefaults>
+    <a:lnDef>
+      <a:spPr/>
+      <a:bodyPr/>
+      <a:lstStyle/>
+      <a:style>
+        <a:lnRef idx="2">
+          <a:schemeClr val="accent1"/>
+        </a:lnRef>
+        <a:fillRef idx="0">
+          <a:schemeClr val="accent1"/>
+        </a:fillRef>
+        <a:effectRef idx="1">
+          <a:schemeClr val="accent1"/>
+        </a:effectRef>
+        <a:fontRef idx="minor">
+          <a:schemeClr val="tx1"/>
+        </a:fontRef>
+      </a:style>
+    </a:lnDef>
+  </a:objectDefaults>
+  <a:extraClrSchemeLst/>
+  <a:extLst>
+    <a:ext uri="{05A4C25C-085E-4340-85A3-A5531E510DB2}">
+      <thm15:themeFamily xmlns:thm15="http://schemas.microsoft.com/office/thememl/2012/main" name="Office Theme" id="{2E142A2C-CD16-42D6-873A-C26D2A0506FA}" vid="{1BDDFF52-6CD6-40A5-AB3C-68EB2F1E4D0A}"/>
+    </a:ext>
+  </a:extLst>
+</a:theme>
 </file>
--- a/hw02.pptx
+++ b/hw02.pptx
@@ -632,7 +632,15 @@
           <a:p>
             <a:r>
               <a:rPr lang="zh-TW" altLang="en-US" b="1" dirty="0"/>
-              <a:t>我一個衝動，直接前往了那棟紅色小屋，發現竟然真有神秘地下室。</a:t>
+              <a:t>然而，我一個衝動不受前輩們的勸阻，直接開車前往了那棟紅色小屋，進入屋內後，發現竟然真有一個與夢</a:t>
+            </a:r>
+            <a:r>
+              <a:rPr lang="zh-TW" altLang="en-US" b="1"/>
+              <a:t>中畫面相同的</a:t>
+            </a:r>
+            <a:r>
+              <a:rPr lang="zh-TW" altLang="en-US" b="1" dirty="0"/>
+              <a:t>地下室入口。</a:t>
             </a:r>
             <a:endParaRPr lang="en-US" altLang="zh-TW" b="1" dirty="0"/>
           </a:p>
@@ -814,7 +822,7 @@
           <a:p>
             <a:r>
               <a:rPr lang="zh-TW" altLang="en-US" b="1" dirty="0"/>
-              <a:t>打開地下室隔板，真的發現了那位失蹤商人遭綁架被關在那裏，就這樣，我們破了這起失蹤案件。</a:t>
+              <a:t>結果，我打開地下室入口的隔板，真的發現了那位失蹤商人遭綁架，被關在那裏，就這樣，我們偵破了這起失蹤懸案。</a:t>
             </a:r>
           </a:p>
         </p:txBody>
@@ -995,7 +1003,7 @@
           <a:p>
             <a:r>
               <a:rPr lang="zh-TW" altLang="en-US" b="1" dirty="0"/>
-              <a:t>我在偵探事務所實習過程中，曾經跟著事務所的前輩調查一宗失蹤案件。</a:t>
+              <a:t>我是一名成功錄取一家默默無名、但具淺力的小型偵探事務所的小小實習生。在這家事務所的實習期間，曾經有一次，我跟著所內的前輩調查了這個小鎮上，發生的一起離奇失蹤案件。</a:t>
             </a:r>
           </a:p>
         </p:txBody>
@@ -1092,7 +1100,15 @@
           <a:p>
             <a:r>
               <a:rPr lang="zh-TW" altLang="en-US" b="1" dirty="0"/>
-              <a:t>案件的受害者是一位小商人，在失蹤前正計劃揭露當地企業的黑幕。</a:t>
+              <a:t>這個案件的受害者是居住於這個城鎮的一位小商人，平常從事替當地農產品買賣的工作，而在他失蹤前，正準備著一個企劃，企圖揭露當地</a:t>
+            </a:r>
+            <a:r>
+              <a:rPr lang="zh-TW" altLang="en-US" b="1"/>
+              <a:t>農產品行銷公司的</a:t>
+            </a:r>
+            <a:r>
+              <a:rPr lang="zh-TW" altLang="en-US" b="1" dirty="0"/>
+              <a:t>黑幕。</a:t>
             </a:r>
           </a:p>
         </p:txBody>
@@ -1207,7 +1223,7 @@
           <a:p>
             <a:r>
               <a:rPr lang="zh-TW" altLang="en-US" b="1" dirty="0"/>
-              <a:t>然而，調查並不順利，由於我們來自一家沒甚麼名氣的事務所。</a:t>
+              <a:t>然而，在調查初期，我們的遭遇並不順利。由於我們是來自一家沒甚麼名氣的事務所。</a:t>
             </a:r>
           </a:p>
         </p:txBody>
@@ -1388,7 +1404,7 @@
           <a:p>
             <a:r>
               <a:rPr lang="zh-TW" altLang="en-US" b="1" dirty="0"/>
-              <a:t>因此初期馬上就碰到第一個阻礙，就是來自警方的封鎖，使得我們遲遲無法獲取案件的核心檔案。</a:t>
+              <a:t>因此，很快的我們馬上就碰到第一個阻礙，這個阻礙就是警方的封鎖，由於無法證實我們的能力，因此我們遲遲無法獲取案件的核心檔案。</a:t>
             </a:r>
           </a:p>
         </p:txBody>
@@ -1569,7 +1585,7 @@
           <a:p>
             <a:r>
               <a:rPr lang="zh-TW" altLang="en-US" b="1" dirty="0"/>
-              <a:t>但是，我們並沒有放棄，還是努力的挖掘所能找到的線索，向商人的朋友、親近人士打聽，並在社群媒體上找到蛛絲馬跡。</a:t>
+              <a:t>但是，我們並沒有放棄，還是努力挖掘所能找到的任何線索。我們向商人的朋友、還有親近他的人士打聽，也在社群媒體上嘗試找到些蛛絲馬跡。</a:t>
             </a:r>
           </a:p>
         </p:txBody>
@@ -1750,7 +1766,15 @@
           <a:p>
             <a:r>
               <a:rPr lang="zh-TW" altLang="en-US" b="1" dirty="0"/>
-              <a:t>幾小時後，我們透過拼湊出的線索發現了一個關鍵人物，我們相信找到他就能破案。</a:t>
+              <a:t>幾小時後，我們透過證人的證詞，以及這個小商人失蹤前在</a:t>
+            </a:r>
+            <a:r>
+              <a:rPr lang="en-US" altLang="zh-TW" b="1" dirty="0"/>
+              <a:t>IG</a:t>
+            </a:r>
+            <a:r>
+              <a:rPr lang="zh-TW" altLang="en-US" b="1" dirty="0"/>
+              <a:t>上的貼文留言，拼湊出了線索，發現了一個關鍵人物，我們相信找到他就能夠偵破這起懸案。</a:t>
             </a:r>
           </a:p>
         </p:txBody>
@@ -1931,11 +1955,8 @@
           <a:p>
             <a:r>
               <a:rPr lang="zh-TW" altLang="en-US" b="1" dirty="0"/>
-              <a:t>不料，透過檔案比對，才發現這個關鍵人物早已於幾周前因病過世。</a:t>
-            </a:r>
-            <a:endParaRPr lang="en-US" altLang="zh-TW" b="1" dirty="0"/>
-          </a:p>
-          <a:p>
+              <a:t>不料，透過檔案比對，我們才發現這個關鍵人物，早就已經在幾周前因為嚴重生病所以過世了。</a:t>
+            </a:r>
             <a:endParaRPr lang="zh-TW" altLang="en-US" b="0" dirty="0"/>
           </a:p>
         </p:txBody>
@@ -2116,7 +2137,7 @@
           <a:p>
             <a:r>
               <a:rPr lang="zh-TW" altLang="en-US" b="1" dirty="0"/>
-              <a:t>正當我們煩惱著前面的調查化為烏有時，在一次的會議我打瞌睡的過程中，突然夢到隔壁小鎮的一棟紅色房子內部有個地下密室。</a:t>
+              <a:t>就在此時，正當我們煩惱著前面的調查都將化為烏有時，我突然想到，有一次的會議上，我在打瞌睡的時候，曾經夢到一個畫面，是隔壁小鎮上的一棟紅色房子。內部有個地下密室，正發出著求救的聲音。</a:t>
             </a:r>
           </a:p>
         </p:txBody>
